--- a/reactjs/ppt/1-1 React简介.pptx
+++ b/reactjs/ppt/1-1 React简介.pptx
@@ -5,15 +5,18 @@
     <p:sldMasterId id="2147483648" r:id="rId1"/>
   </p:sldMasterIdLst>
   <p:notesMasterIdLst>
-    <p:notesMasterId r:id="rId8"/>
+    <p:notesMasterId r:id="rId11"/>
   </p:notesMasterIdLst>
   <p:sldIdLst>
     <p:sldId id="773" r:id="rId2"/>
-    <p:sldId id="879" r:id="rId3"/>
-    <p:sldId id="940" r:id="rId4"/>
-    <p:sldId id="939" r:id="rId5"/>
-    <p:sldId id="941" r:id="rId6"/>
-    <p:sldId id="937" r:id="rId7"/>
+    <p:sldId id="942" r:id="rId3"/>
+    <p:sldId id="879" r:id="rId4"/>
+    <p:sldId id="940" r:id="rId5"/>
+    <p:sldId id="939" r:id="rId6"/>
+    <p:sldId id="941" r:id="rId7"/>
+    <p:sldId id="943" r:id="rId8"/>
+    <p:sldId id="944" r:id="rId9"/>
+    <p:sldId id="937" r:id="rId10"/>
   </p:sldIdLst>
   <p:sldSz cx="12192000" cy="6858000"/>
   <p:notesSz cx="6797675" cy="9928225"/>
@@ -583,6 +586,468 @@
     </a:lvl9pPr>
   </p:notesStyle>
 </p:notesMaster>
+</file>
+
+<file path=ppt/notesSlides/notesSlide1.xml><?xml version="1.0" encoding="utf-8"?>
+<p:notes xmlns:a="http://schemas.openxmlformats.org/drawingml/2006/main" xmlns:r="http://schemas.openxmlformats.org/officeDocument/2006/relationships" xmlns:p="http://schemas.openxmlformats.org/presentationml/2006/main">
+  <p:cSld>
+    <p:spTree>
+      <p:nvGrpSpPr>
+        <p:cNvPr id="1" name=""/>
+        <p:cNvGrpSpPr/>
+        <p:nvPr/>
+      </p:nvGrpSpPr>
+      <p:grpSpPr>
+        <a:xfrm>
+          <a:off x="0" y="0"/>
+          <a:ext cx="0" cy="0"/>
+          <a:chOff x="0" y="0"/>
+          <a:chExt cx="0" cy="0"/>
+        </a:xfrm>
+      </p:grpSpPr>
+      <p:sp>
+        <p:nvSpPr>
+          <p:cNvPr id="22530" name="幻灯片图像占位符 1"/>
+          <p:cNvSpPr>
+            <a:spLocks noGrp="1" noRot="1" noChangeAspect="1" noTextEdit="1"/>
+          </p:cNvSpPr>
+          <p:nvPr>
+            <p:ph type="sldImg"/>
+          </p:nvPr>
+        </p:nvSpPr>
+        <p:spPr/>
+      </p:sp>
+      <p:sp>
+        <p:nvSpPr>
+          <p:cNvPr id="22531" name="备注占位符 2"/>
+          <p:cNvSpPr>
+            <a:spLocks noGrp="1"/>
+          </p:cNvSpPr>
+          <p:nvPr>
+            <p:ph type="body" idx="1"/>
+          </p:nvPr>
+        </p:nvSpPr>
+        <p:spPr>
+          <a:noFill/>
+          <a:extLst>
+            <a:ext uri="{909E8E84-426E-40DD-AFC4-6F175D3DCCD1}">
+              <a14:hiddenFill xmlns:a14="http://schemas.microsoft.com/office/drawing/2010/main">
+                <a:solidFill>
+                  <a:srgbClr val="FFFFFF"/>
+                </a:solidFill>
+              </a14:hiddenFill>
+            </a:ext>
+            <a:ext uri="{91240B29-F687-4F45-9708-019B960494DF}">
+              <a14:hiddenLine xmlns:a14="http://schemas.microsoft.com/office/drawing/2010/main" w="9525">
+                <a:solidFill>
+                  <a:srgbClr val="000000"/>
+                </a:solidFill>
+                <a:miter lim="800000"/>
+                <a:headEnd/>
+                <a:tailEnd/>
+              </a14:hiddenLine>
+            </a:ext>
+          </a:extLst>
+        </p:spPr>
+        <p:txBody>
+          <a:bodyPr/>
+          <a:lstStyle/>
+          <a:p>
+            <a:endParaRPr lang="zh-CN" altLang="en-US" smtClean="0"/>
+          </a:p>
+        </p:txBody>
+      </p:sp>
+      <p:sp>
+        <p:nvSpPr>
+          <p:cNvPr id="22532" name="灯片编号占位符 3"/>
+          <p:cNvSpPr>
+            <a:spLocks noGrp="1"/>
+          </p:cNvSpPr>
+          <p:nvPr>
+            <p:ph type="sldNum" sz="quarter" idx="5"/>
+          </p:nvPr>
+        </p:nvSpPr>
+        <p:spPr>
+          <a:noFill/>
+          <a:extLst>
+            <a:ext uri="{909E8E84-426E-40DD-AFC4-6F175D3DCCD1}">
+              <a14:hiddenFill xmlns:a14="http://schemas.microsoft.com/office/drawing/2010/main">
+                <a:solidFill>
+                  <a:srgbClr val="FFFFFF"/>
+                </a:solidFill>
+              </a14:hiddenFill>
+            </a:ext>
+            <a:ext uri="{91240B29-F687-4F45-9708-019B960494DF}">
+              <a14:hiddenLine xmlns:a14="http://schemas.microsoft.com/office/drawing/2010/main" w="9525">
+                <a:solidFill>
+                  <a:srgbClr val="000000"/>
+                </a:solidFill>
+                <a:miter lim="800000"/>
+                <a:headEnd/>
+                <a:tailEnd/>
+              </a14:hiddenLine>
+            </a:ext>
+          </a:extLst>
+        </p:spPr>
+        <p:txBody>
+          <a:bodyPr/>
+          <a:lstStyle>
+            <a:lvl1pPr>
+              <a:defRPr sz="3200">
+                <a:solidFill>
+                  <a:schemeClr val="tx1"/>
+                </a:solidFill>
+                <a:latin typeface="Arial" panose="020B0604020202020204" pitchFamily="34" charset="0"/>
+                <a:ea typeface="微软雅黑" panose="020B0503020204020204" pitchFamily="34" charset="-122"/>
+              </a:defRPr>
+            </a:lvl1pPr>
+            <a:lvl2pPr marL="742950" indent="-285750">
+              <a:defRPr sz="3200">
+                <a:solidFill>
+                  <a:schemeClr val="tx1"/>
+                </a:solidFill>
+                <a:latin typeface="Arial" panose="020B0604020202020204" pitchFamily="34" charset="0"/>
+                <a:ea typeface="微软雅黑" panose="020B0503020204020204" pitchFamily="34" charset="-122"/>
+              </a:defRPr>
+            </a:lvl2pPr>
+            <a:lvl3pPr marL="1143000" indent="-228600">
+              <a:defRPr sz="3200">
+                <a:solidFill>
+                  <a:schemeClr val="tx1"/>
+                </a:solidFill>
+                <a:latin typeface="Arial" panose="020B0604020202020204" pitchFamily="34" charset="0"/>
+                <a:ea typeface="微软雅黑" panose="020B0503020204020204" pitchFamily="34" charset="-122"/>
+              </a:defRPr>
+            </a:lvl3pPr>
+            <a:lvl4pPr marL="1600200" indent="-228600">
+              <a:defRPr sz="3200">
+                <a:solidFill>
+                  <a:schemeClr val="tx1"/>
+                </a:solidFill>
+                <a:latin typeface="Arial" panose="020B0604020202020204" pitchFamily="34" charset="0"/>
+                <a:ea typeface="微软雅黑" panose="020B0503020204020204" pitchFamily="34" charset="-122"/>
+              </a:defRPr>
+            </a:lvl4pPr>
+            <a:lvl5pPr marL="2057400" indent="-228600">
+              <a:defRPr sz="3200">
+                <a:solidFill>
+                  <a:schemeClr val="tx1"/>
+                </a:solidFill>
+                <a:latin typeface="Arial" panose="020B0604020202020204" pitchFamily="34" charset="0"/>
+                <a:ea typeface="微软雅黑" panose="020B0503020204020204" pitchFamily="34" charset="-122"/>
+              </a:defRPr>
+            </a:lvl5pPr>
+            <a:lvl6pPr marL="2514600" indent="-228600" eaLnBrk="0" fontAlgn="base" hangingPunct="0">
+              <a:spcBef>
+                <a:spcPct val="0"/>
+              </a:spcBef>
+              <a:spcAft>
+                <a:spcPct val="0"/>
+              </a:spcAft>
+              <a:defRPr sz="3200">
+                <a:solidFill>
+                  <a:schemeClr val="tx1"/>
+                </a:solidFill>
+                <a:latin typeface="Arial" panose="020B0604020202020204" pitchFamily="34" charset="0"/>
+                <a:ea typeface="微软雅黑" panose="020B0503020204020204" pitchFamily="34" charset="-122"/>
+              </a:defRPr>
+            </a:lvl6pPr>
+            <a:lvl7pPr marL="2971800" indent="-228600" eaLnBrk="0" fontAlgn="base" hangingPunct="0">
+              <a:spcBef>
+                <a:spcPct val="0"/>
+              </a:spcBef>
+              <a:spcAft>
+                <a:spcPct val="0"/>
+              </a:spcAft>
+              <a:defRPr sz="3200">
+                <a:solidFill>
+                  <a:schemeClr val="tx1"/>
+                </a:solidFill>
+                <a:latin typeface="Arial" panose="020B0604020202020204" pitchFamily="34" charset="0"/>
+                <a:ea typeface="微软雅黑" panose="020B0503020204020204" pitchFamily="34" charset="-122"/>
+              </a:defRPr>
+            </a:lvl7pPr>
+            <a:lvl8pPr marL="3429000" indent="-228600" eaLnBrk="0" fontAlgn="base" hangingPunct="0">
+              <a:spcBef>
+                <a:spcPct val="0"/>
+              </a:spcBef>
+              <a:spcAft>
+                <a:spcPct val="0"/>
+              </a:spcAft>
+              <a:defRPr sz="3200">
+                <a:solidFill>
+                  <a:schemeClr val="tx1"/>
+                </a:solidFill>
+                <a:latin typeface="Arial" panose="020B0604020202020204" pitchFamily="34" charset="0"/>
+                <a:ea typeface="微软雅黑" panose="020B0503020204020204" pitchFamily="34" charset="-122"/>
+              </a:defRPr>
+            </a:lvl8pPr>
+            <a:lvl9pPr marL="3886200" indent="-228600" eaLnBrk="0" fontAlgn="base" hangingPunct="0">
+              <a:spcBef>
+                <a:spcPct val="0"/>
+              </a:spcBef>
+              <a:spcAft>
+                <a:spcPct val="0"/>
+              </a:spcAft>
+              <a:defRPr sz="3200">
+                <a:solidFill>
+                  <a:schemeClr val="tx1"/>
+                </a:solidFill>
+                <a:latin typeface="Arial" panose="020B0604020202020204" pitchFamily="34" charset="0"/>
+                <a:ea typeface="微软雅黑" panose="020B0503020204020204" pitchFamily="34" charset="-122"/>
+              </a:defRPr>
+            </a:lvl9pPr>
+          </a:lstStyle>
+          <a:p>
+            <a:fld id="{B94B757B-0235-4C13-B71B-044FB4BFFF15}" type="slidenum">
+              <a:rPr lang="zh-CN" altLang="zh-CN">
+                <a:ea typeface="宋体" panose="02010600030101010101" pitchFamily="2" charset="-122"/>
+              </a:rPr>
+              <a:t>2</a:t>
+            </a:fld>
+            <a:endParaRPr lang="zh-CN" altLang="zh-CN">
+              <a:ea typeface="宋体" panose="02010600030101010101" pitchFamily="2" charset="-122"/>
+            </a:endParaRPr>
+          </a:p>
+        </p:txBody>
+      </p:sp>
+    </p:spTree>
+  </p:cSld>
+  <p:clrMapOvr>
+    <a:masterClrMapping/>
+  </p:clrMapOvr>
+</p:notes>
+</file>
+
+<file path=ppt/notesSlides/notesSlide2.xml><?xml version="1.0" encoding="utf-8"?>
+<p:notes xmlns:a="http://schemas.openxmlformats.org/drawingml/2006/main" xmlns:r="http://schemas.openxmlformats.org/officeDocument/2006/relationships" xmlns:p="http://schemas.openxmlformats.org/presentationml/2006/main">
+  <p:cSld>
+    <p:spTree>
+      <p:nvGrpSpPr>
+        <p:cNvPr id="1" name=""/>
+        <p:cNvGrpSpPr/>
+        <p:nvPr/>
+      </p:nvGrpSpPr>
+      <p:grpSpPr>
+        <a:xfrm>
+          <a:off x="0" y="0"/>
+          <a:ext cx="0" cy="0"/>
+          <a:chOff x="0" y="0"/>
+          <a:chExt cx="0" cy="0"/>
+        </a:xfrm>
+      </p:grpSpPr>
+      <p:sp>
+        <p:nvSpPr>
+          <p:cNvPr id="22530" name="幻灯片图像占位符 1"/>
+          <p:cNvSpPr>
+            <a:spLocks noGrp="1" noRot="1" noChangeAspect="1" noTextEdit="1"/>
+          </p:cNvSpPr>
+          <p:nvPr>
+            <p:ph type="sldImg"/>
+          </p:nvPr>
+        </p:nvSpPr>
+        <p:spPr/>
+      </p:sp>
+      <p:sp>
+        <p:nvSpPr>
+          <p:cNvPr id="22531" name="备注占位符 2"/>
+          <p:cNvSpPr>
+            <a:spLocks noGrp="1"/>
+          </p:cNvSpPr>
+          <p:nvPr>
+            <p:ph type="body" idx="1"/>
+          </p:nvPr>
+        </p:nvSpPr>
+        <p:spPr>
+          <a:noFill/>
+          <a:extLst>
+            <a:ext uri="{909E8E84-426E-40DD-AFC4-6F175D3DCCD1}">
+              <a14:hiddenFill xmlns:a14="http://schemas.microsoft.com/office/drawing/2010/main">
+                <a:solidFill>
+                  <a:srgbClr val="FFFFFF"/>
+                </a:solidFill>
+              </a14:hiddenFill>
+            </a:ext>
+            <a:ext uri="{91240B29-F687-4F45-9708-019B960494DF}">
+              <a14:hiddenLine xmlns:a14="http://schemas.microsoft.com/office/drawing/2010/main" w="9525">
+                <a:solidFill>
+                  <a:srgbClr val="000000"/>
+                </a:solidFill>
+                <a:miter lim="800000"/>
+                <a:headEnd/>
+                <a:tailEnd/>
+              </a14:hiddenLine>
+            </a:ext>
+          </a:extLst>
+        </p:spPr>
+        <p:txBody>
+          <a:bodyPr/>
+          <a:lstStyle/>
+          <a:p>
+            <a:endParaRPr lang="zh-CN" altLang="en-US" smtClean="0"/>
+          </a:p>
+        </p:txBody>
+      </p:sp>
+      <p:sp>
+        <p:nvSpPr>
+          <p:cNvPr id="22532" name="灯片编号占位符 3"/>
+          <p:cNvSpPr>
+            <a:spLocks noGrp="1"/>
+          </p:cNvSpPr>
+          <p:nvPr>
+            <p:ph type="sldNum" sz="quarter" idx="5"/>
+          </p:nvPr>
+        </p:nvSpPr>
+        <p:spPr>
+          <a:noFill/>
+          <a:extLst>
+            <a:ext uri="{909E8E84-426E-40DD-AFC4-6F175D3DCCD1}">
+              <a14:hiddenFill xmlns:a14="http://schemas.microsoft.com/office/drawing/2010/main">
+                <a:solidFill>
+                  <a:srgbClr val="FFFFFF"/>
+                </a:solidFill>
+              </a14:hiddenFill>
+            </a:ext>
+            <a:ext uri="{91240B29-F687-4F45-9708-019B960494DF}">
+              <a14:hiddenLine xmlns:a14="http://schemas.microsoft.com/office/drawing/2010/main" w="9525">
+                <a:solidFill>
+                  <a:srgbClr val="000000"/>
+                </a:solidFill>
+                <a:miter lim="800000"/>
+                <a:headEnd/>
+                <a:tailEnd/>
+              </a14:hiddenLine>
+            </a:ext>
+          </a:extLst>
+        </p:spPr>
+        <p:txBody>
+          <a:bodyPr/>
+          <a:lstStyle>
+            <a:lvl1pPr>
+              <a:defRPr sz="3200">
+                <a:solidFill>
+                  <a:schemeClr val="tx1"/>
+                </a:solidFill>
+                <a:latin typeface="Arial" panose="020B0604020202020204" pitchFamily="34" charset="0"/>
+                <a:ea typeface="微软雅黑" panose="020B0503020204020204" pitchFamily="34" charset="-122"/>
+              </a:defRPr>
+            </a:lvl1pPr>
+            <a:lvl2pPr marL="742950" indent="-285750">
+              <a:defRPr sz="3200">
+                <a:solidFill>
+                  <a:schemeClr val="tx1"/>
+                </a:solidFill>
+                <a:latin typeface="Arial" panose="020B0604020202020204" pitchFamily="34" charset="0"/>
+                <a:ea typeface="微软雅黑" panose="020B0503020204020204" pitchFamily="34" charset="-122"/>
+              </a:defRPr>
+            </a:lvl2pPr>
+            <a:lvl3pPr marL="1143000" indent="-228600">
+              <a:defRPr sz="3200">
+                <a:solidFill>
+                  <a:schemeClr val="tx1"/>
+                </a:solidFill>
+                <a:latin typeface="Arial" panose="020B0604020202020204" pitchFamily="34" charset="0"/>
+                <a:ea typeface="微软雅黑" panose="020B0503020204020204" pitchFamily="34" charset="-122"/>
+              </a:defRPr>
+            </a:lvl3pPr>
+            <a:lvl4pPr marL="1600200" indent="-228600">
+              <a:defRPr sz="3200">
+                <a:solidFill>
+                  <a:schemeClr val="tx1"/>
+                </a:solidFill>
+                <a:latin typeface="Arial" panose="020B0604020202020204" pitchFamily="34" charset="0"/>
+                <a:ea typeface="微软雅黑" panose="020B0503020204020204" pitchFamily="34" charset="-122"/>
+              </a:defRPr>
+            </a:lvl4pPr>
+            <a:lvl5pPr marL="2057400" indent="-228600">
+              <a:defRPr sz="3200">
+                <a:solidFill>
+                  <a:schemeClr val="tx1"/>
+                </a:solidFill>
+                <a:latin typeface="Arial" panose="020B0604020202020204" pitchFamily="34" charset="0"/>
+                <a:ea typeface="微软雅黑" panose="020B0503020204020204" pitchFamily="34" charset="-122"/>
+              </a:defRPr>
+            </a:lvl5pPr>
+            <a:lvl6pPr marL="2514600" indent="-228600" eaLnBrk="0" fontAlgn="base" hangingPunct="0">
+              <a:spcBef>
+                <a:spcPct val="0"/>
+              </a:spcBef>
+              <a:spcAft>
+                <a:spcPct val="0"/>
+              </a:spcAft>
+              <a:defRPr sz="3200">
+                <a:solidFill>
+                  <a:schemeClr val="tx1"/>
+                </a:solidFill>
+                <a:latin typeface="Arial" panose="020B0604020202020204" pitchFamily="34" charset="0"/>
+                <a:ea typeface="微软雅黑" panose="020B0503020204020204" pitchFamily="34" charset="-122"/>
+              </a:defRPr>
+            </a:lvl6pPr>
+            <a:lvl7pPr marL="2971800" indent="-228600" eaLnBrk="0" fontAlgn="base" hangingPunct="0">
+              <a:spcBef>
+                <a:spcPct val="0"/>
+              </a:spcBef>
+              <a:spcAft>
+                <a:spcPct val="0"/>
+              </a:spcAft>
+              <a:defRPr sz="3200">
+                <a:solidFill>
+                  <a:schemeClr val="tx1"/>
+                </a:solidFill>
+                <a:latin typeface="Arial" panose="020B0604020202020204" pitchFamily="34" charset="0"/>
+                <a:ea typeface="微软雅黑" panose="020B0503020204020204" pitchFamily="34" charset="-122"/>
+              </a:defRPr>
+            </a:lvl7pPr>
+            <a:lvl8pPr marL="3429000" indent="-228600" eaLnBrk="0" fontAlgn="base" hangingPunct="0">
+              <a:spcBef>
+                <a:spcPct val="0"/>
+              </a:spcBef>
+              <a:spcAft>
+                <a:spcPct val="0"/>
+              </a:spcAft>
+              <a:defRPr sz="3200">
+                <a:solidFill>
+                  <a:schemeClr val="tx1"/>
+                </a:solidFill>
+                <a:latin typeface="Arial" panose="020B0604020202020204" pitchFamily="34" charset="0"/>
+                <a:ea typeface="微软雅黑" panose="020B0503020204020204" pitchFamily="34" charset="-122"/>
+              </a:defRPr>
+            </a:lvl8pPr>
+            <a:lvl9pPr marL="3886200" indent="-228600" eaLnBrk="0" fontAlgn="base" hangingPunct="0">
+              <a:spcBef>
+                <a:spcPct val="0"/>
+              </a:spcBef>
+              <a:spcAft>
+                <a:spcPct val="0"/>
+              </a:spcAft>
+              <a:defRPr sz="3200">
+                <a:solidFill>
+                  <a:schemeClr val="tx1"/>
+                </a:solidFill>
+                <a:latin typeface="Arial" panose="020B0604020202020204" pitchFamily="34" charset="0"/>
+                <a:ea typeface="微软雅黑" panose="020B0503020204020204" pitchFamily="34" charset="-122"/>
+              </a:defRPr>
+            </a:lvl9pPr>
+          </a:lstStyle>
+          <a:p>
+            <a:fld id="{B94B757B-0235-4C13-B71B-044FB4BFFF15}" type="slidenum">
+              <a:rPr lang="zh-CN" altLang="zh-CN">
+                <a:ea typeface="宋体" panose="02010600030101010101" pitchFamily="2" charset="-122"/>
+              </a:rPr>
+              <a:t>7</a:t>
+            </a:fld>
+            <a:endParaRPr lang="zh-CN" altLang="zh-CN">
+              <a:ea typeface="宋体" panose="02010600030101010101" pitchFamily="2" charset="-122"/>
+            </a:endParaRPr>
+          </a:p>
+        </p:txBody>
+      </p:sp>
+    </p:spTree>
+  </p:cSld>
+  <p:clrMapOvr>
+    <a:masterClrMapping/>
+  </p:clrMapOvr>
+</p:notes>
 </file>
 
 <file path=ppt/slideLayouts/slideLayout1.xml><?xml version="1.0" encoding="utf-8"?>
@@ -1750,11 +2215,7 @@
             </a:r>
             <a:r>
               <a:rPr lang="zh-CN" altLang="en-US" sz="4800" b="1" dirty="0" smtClean="0"/>
-              <a:t>程序</a:t>
-            </a:r>
-            <a:r>
-              <a:rPr lang="zh-CN" altLang="en-US" sz="4800" b="1" dirty="0" smtClean="0"/>
-              <a:t>开发</a:t>
+              <a:t>程序开发</a:t>
             </a:r>
             <a:endParaRPr lang="zh-CN" altLang="zh-CN" sz="4800" b="1" dirty="0" smtClean="0"/>
           </a:p>
@@ -2029,204 +2490,24 @@
       </p:grpSpPr>
       <p:sp>
         <p:nvSpPr>
-          <p:cNvPr id="30722" name="内容占位符 3"/>
+          <p:cNvPr id="21506" name="矩形 2"/>
           <p:cNvSpPr>
-            <a:spLocks noGrp="1"/>
+            <a:spLocks noChangeArrowheads="1"/>
           </p:cNvSpPr>
-          <p:nvPr>
-            <p:ph sz="quarter" idx="10"/>
-          </p:nvPr>
+          <p:nvPr/>
         </p:nvSpPr>
         <p:spPr bwMode="auto">
           <a:xfrm>
-            <a:off x="693526" y="907845"/>
-            <a:ext cx="10228685" cy="4321378"/>
+            <a:off x="1053690" y="258763"/>
+            <a:ext cx="3186523" cy="585787"/>
           </a:xfrm>
-          <a:solidFill>
-            <a:schemeClr val="bg1"/>
-          </a:solidFill>
-        </p:spPr>
-        <p:txBody>
-          <a:bodyPr vert="horz" wrap="square" lIns="91440" tIns="45720" rIns="91440" bIns="45720" numCol="1" anchor="t" anchorCtr="0" compatLnSpc="1"/>
-          <a:lstStyle/>
-          <a:p>
-            <a:pPr marL="360045"/>
-            <a:r>
-              <a:rPr lang="en-US" altLang="zh-CN" dirty="0" smtClean="0"/>
-              <a:t> React </a:t>
-            </a:r>
-            <a:r>
-              <a:rPr lang="zh-CN" altLang="en-US" dirty="0" smtClean="0"/>
-              <a:t>简介</a:t>
-            </a:r>
-            <a:endParaRPr lang="en-US" altLang="zh-CN" dirty="0" smtClean="0"/>
-          </a:p>
-          <a:p>
-            <a:pPr marL="591820" lvl="1"/>
-            <a:r>
-              <a:rPr lang="en-US" altLang="zh-CN" sz="2400" dirty="0" smtClean="0"/>
-              <a:t> </a:t>
-            </a:r>
-            <a:r>
-              <a:rPr lang="zh-CN" altLang="en-US" dirty="0" smtClean="0"/>
-              <a:t>是</a:t>
-            </a:r>
-            <a:r>
-              <a:rPr lang="zh-CN" altLang="en-US" dirty="0"/>
-              <a:t>一个用于构建用户界面的 </a:t>
-            </a:r>
-            <a:r>
-              <a:rPr lang="en-US" altLang="zh-CN" dirty="0" smtClean="0"/>
-              <a:t>JavaScript </a:t>
-            </a:r>
-            <a:r>
-              <a:rPr lang="zh-CN" altLang="en-US" dirty="0" smtClean="0"/>
-              <a:t>库</a:t>
-            </a:r>
-            <a:endParaRPr lang="en-US" altLang="zh-CN" dirty="0" smtClean="0"/>
-          </a:p>
-          <a:p>
-            <a:pPr marL="591820" lvl="1"/>
-            <a:r>
-              <a:rPr lang="en-US" altLang="zh-CN" sz="2400" dirty="0"/>
-              <a:t> </a:t>
-            </a:r>
-            <a:r>
-              <a:rPr lang="zh-CN" altLang="en-US" dirty="0" smtClean="0"/>
-              <a:t>主要</a:t>
-            </a:r>
-            <a:r>
-              <a:rPr lang="zh-CN" altLang="en-US" dirty="0"/>
-              <a:t>用于构建</a:t>
-            </a:r>
-            <a:r>
-              <a:rPr lang="en-US" altLang="zh-CN" dirty="0"/>
-              <a:t>UI</a:t>
-            </a:r>
-            <a:r>
-              <a:rPr lang="zh-CN" altLang="en-US" dirty="0"/>
-              <a:t>，很多人认为 </a:t>
-            </a:r>
-            <a:r>
-              <a:rPr lang="en-US" altLang="zh-CN" dirty="0"/>
-              <a:t>React </a:t>
-            </a:r>
-            <a:r>
-              <a:rPr lang="zh-CN" altLang="en-US" dirty="0"/>
-              <a:t>是 </a:t>
-            </a:r>
-            <a:r>
-              <a:rPr lang="en-US" altLang="zh-CN" dirty="0"/>
-              <a:t>MVC </a:t>
-            </a:r>
-            <a:r>
-              <a:rPr lang="zh-CN" altLang="en-US" dirty="0"/>
-              <a:t>中的 </a:t>
-            </a:r>
-            <a:r>
-              <a:rPr lang="en-US" altLang="zh-CN" dirty="0" smtClean="0"/>
-              <a:t>V</a:t>
-            </a:r>
-          </a:p>
-          <a:p>
-            <a:pPr marL="591820" lvl="1"/>
-            <a:r>
-              <a:rPr lang="en-US" altLang="zh-CN" sz="2400" dirty="0"/>
-              <a:t> </a:t>
-            </a:r>
-            <a:r>
-              <a:rPr lang="zh-CN" altLang="en-US" dirty="0" smtClean="0"/>
-              <a:t>起源于 </a:t>
-            </a:r>
-            <a:r>
-              <a:rPr lang="en-US" altLang="zh-CN" dirty="0"/>
-              <a:t>Facebook </a:t>
-            </a:r>
-            <a:r>
-              <a:rPr lang="zh-CN" altLang="en-US" dirty="0"/>
-              <a:t>的内部项目，用来架设 </a:t>
-            </a:r>
-            <a:r>
-              <a:rPr lang="en-US" altLang="zh-CN" dirty="0" err="1"/>
-              <a:t>Instagram</a:t>
-            </a:r>
-            <a:r>
-              <a:rPr lang="en-US" altLang="zh-CN" dirty="0"/>
-              <a:t> </a:t>
-            </a:r>
-            <a:r>
-              <a:rPr lang="zh-CN" altLang="en-US" dirty="0"/>
-              <a:t>的网站，并于 </a:t>
-            </a:r>
-            <a:r>
-              <a:rPr lang="en-US" altLang="zh-CN" dirty="0"/>
-              <a:t>2013 </a:t>
-            </a:r>
-            <a:r>
-              <a:rPr lang="zh-CN" altLang="en-US" dirty="0"/>
-              <a:t>年 </a:t>
-            </a:r>
-            <a:r>
-              <a:rPr lang="en-US" altLang="zh-CN" dirty="0"/>
-              <a:t>5 </a:t>
-            </a:r>
-            <a:r>
-              <a:rPr lang="zh-CN" altLang="en-US" dirty="0"/>
-              <a:t>月开</a:t>
-            </a:r>
-            <a:r>
-              <a:rPr lang="zh-CN" altLang="en-US" dirty="0" smtClean="0"/>
-              <a:t>源</a:t>
-            </a:r>
-            <a:endParaRPr lang="en-US" altLang="zh-CN" dirty="0" smtClean="0"/>
-          </a:p>
-          <a:p>
-            <a:pPr marL="591820" lvl="1"/>
-            <a:r>
-              <a:rPr lang="en-US" altLang="zh-CN" sz="2400" dirty="0"/>
-              <a:t> </a:t>
-            </a:r>
-            <a:r>
-              <a:rPr lang="zh-CN" altLang="en-US" dirty="0" smtClean="0"/>
-              <a:t>拥有</a:t>
-            </a:r>
-            <a:r>
-              <a:rPr lang="zh-CN" altLang="en-US" dirty="0"/>
-              <a:t>较高的性能，代码逻辑非常简单</a:t>
-            </a:r>
-            <a:endParaRPr lang="en-US" altLang="zh-CN" sz="2400" dirty="0" smtClean="0"/>
-          </a:p>
-          <a:p>
-            <a:pPr marL="360045" lvl="1" indent="0">
-              <a:buFont typeface="Arial" panose="020B0604020202020204" pitchFamily="34" charset="0"/>
-              <a:buNone/>
-              <a:defRPr/>
-            </a:pPr>
-            <a:r>
-              <a:rPr lang="en-US" altLang="zh-CN" sz="2400" dirty="0" smtClean="0"/>
-              <a:t>		</a:t>
-            </a:r>
-            <a:endParaRPr lang="zh-CN" altLang="en-US" dirty="0" smtClean="0">
-              <a:ea typeface="宋体" panose="02010600030101010101" pitchFamily="2" charset="-122"/>
-            </a:endParaRPr>
-          </a:p>
-        </p:txBody>
-      </p:sp>
-      <p:sp>
-        <p:nvSpPr>
-          <p:cNvPr id="25603" name="内容占位符 4"/>
-          <p:cNvSpPr>
-            <a:spLocks noGrp="1"/>
-          </p:cNvSpPr>
-          <p:nvPr>
-            <p:ph sz="quarter" idx="11"/>
-          </p:nvPr>
-        </p:nvSpPr>
-        <p:spPr bwMode="auto">
-          <a:xfrm>
-            <a:off x="909638" y="236538"/>
-            <a:ext cx="7575550" cy="490537"/>
-          </a:xfrm>
+          <a:prstGeom prst="rect">
+            <a:avLst/>
+          </a:prstGeom>
+          <a:noFill/>
+          <a:ln>
+            <a:noFill/>
+          </a:ln>
           <a:extLst>
             <a:ext uri="{909E8E84-426E-40DD-AFC4-6F175D3DCCD1}">
               <a14:hiddenFill xmlns:a14="http://schemas.microsoft.com/office/drawing/2010/main">
@@ -2248,38 +2529,364 @@
           </a:extLst>
         </p:spPr>
         <p:txBody>
-          <a:bodyPr vert="horz" wrap="square" lIns="91440" tIns="45720" rIns="91440" bIns="45720" numCol="1" anchor="t" anchorCtr="0" compatLnSpc="1"/>
-          <a:lstStyle/>
+          <a:bodyPr wrap="square">
+            <a:spAutoFit/>
+          </a:bodyPr>
+          <a:lstStyle>
+            <a:lvl1pPr>
+              <a:defRPr sz="3200">
+                <a:solidFill>
+                  <a:schemeClr val="tx1"/>
+                </a:solidFill>
+                <a:latin typeface="Arial" panose="020B0604020202020204" pitchFamily="34" charset="0"/>
+                <a:ea typeface="微软雅黑" panose="020B0503020204020204" pitchFamily="34" charset="-122"/>
+              </a:defRPr>
+            </a:lvl1pPr>
+            <a:lvl2pPr marL="742950" indent="-285750">
+              <a:defRPr sz="3200">
+                <a:solidFill>
+                  <a:schemeClr val="tx1"/>
+                </a:solidFill>
+                <a:latin typeface="Arial" panose="020B0604020202020204" pitchFamily="34" charset="0"/>
+                <a:ea typeface="微软雅黑" panose="020B0503020204020204" pitchFamily="34" charset="-122"/>
+              </a:defRPr>
+            </a:lvl2pPr>
+            <a:lvl3pPr marL="1143000" indent="-228600">
+              <a:defRPr sz="3200">
+                <a:solidFill>
+                  <a:schemeClr val="tx1"/>
+                </a:solidFill>
+                <a:latin typeface="Arial" panose="020B0604020202020204" pitchFamily="34" charset="0"/>
+                <a:ea typeface="微软雅黑" panose="020B0503020204020204" pitchFamily="34" charset="-122"/>
+              </a:defRPr>
+            </a:lvl3pPr>
+            <a:lvl4pPr marL="1600200" indent="-228600">
+              <a:defRPr sz="3200">
+                <a:solidFill>
+                  <a:schemeClr val="tx1"/>
+                </a:solidFill>
+                <a:latin typeface="Arial" panose="020B0604020202020204" pitchFamily="34" charset="0"/>
+                <a:ea typeface="微软雅黑" panose="020B0503020204020204" pitchFamily="34" charset="-122"/>
+              </a:defRPr>
+            </a:lvl4pPr>
+            <a:lvl5pPr marL="2057400" indent="-228600">
+              <a:defRPr sz="3200">
+                <a:solidFill>
+                  <a:schemeClr val="tx1"/>
+                </a:solidFill>
+                <a:latin typeface="Arial" panose="020B0604020202020204" pitchFamily="34" charset="0"/>
+                <a:ea typeface="微软雅黑" panose="020B0503020204020204" pitchFamily="34" charset="-122"/>
+              </a:defRPr>
+            </a:lvl5pPr>
+            <a:lvl6pPr marL="2514600" indent="-228600" eaLnBrk="0" fontAlgn="base" hangingPunct="0">
+              <a:spcBef>
+                <a:spcPct val="0"/>
+              </a:spcBef>
+              <a:spcAft>
+                <a:spcPct val="0"/>
+              </a:spcAft>
+              <a:defRPr sz="3200">
+                <a:solidFill>
+                  <a:schemeClr val="tx1"/>
+                </a:solidFill>
+                <a:latin typeface="Arial" panose="020B0604020202020204" pitchFamily="34" charset="0"/>
+                <a:ea typeface="微软雅黑" panose="020B0503020204020204" pitchFamily="34" charset="-122"/>
+              </a:defRPr>
+            </a:lvl6pPr>
+            <a:lvl7pPr marL="2971800" indent="-228600" eaLnBrk="0" fontAlgn="base" hangingPunct="0">
+              <a:spcBef>
+                <a:spcPct val="0"/>
+              </a:spcBef>
+              <a:spcAft>
+                <a:spcPct val="0"/>
+              </a:spcAft>
+              <a:defRPr sz="3200">
+                <a:solidFill>
+                  <a:schemeClr val="tx1"/>
+                </a:solidFill>
+                <a:latin typeface="Arial" panose="020B0604020202020204" pitchFamily="34" charset="0"/>
+                <a:ea typeface="微软雅黑" panose="020B0503020204020204" pitchFamily="34" charset="-122"/>
+              </a:defRPr>
+            </a:lvl7pPr>
+            <a:lvl8pPr marL="3429000" indent="-228600" eaLnBrk="0" fontAlgn="base" hangingPunct="0">
+              <a:spcBef>
+                <a:spcPct val="0"/>
+              </a:spcBef>
+              <a:spcAft>
+                <a:spcPct val="0"/>
+              </a:spcAft>
+              <a:defRPr sz="3200">
+                <a:solidFill>
+                  <a:schemeClr val="tx1"/>
+                </a:solidFill>
+                <a:latin typeface="Arial" panose="020B0604020202020204" pitchFamily="34" charset="0"/>
+                <a:ea typeface="微软雅黑" panose="020B0503020204020204" pitchFamily="34" charset="-122"/>
+              </a:defRPr>
+            </a:lvl8pPr>
+            <a:lvl9pPr marL="3886200" indent="-228600" eaLnBrk="0" fontAlgn="base" hangingPunct="0">
+              <a:spcBef>
+                <a:spcPct val="0"/>
+              </a:spcBef>
+              <a:spcAft>
+                <a:spcPct val="0"/>
+              </a:spcAft>
+              <a:defRPr sz="3200">
+                <a:solidFill>
+                  <a:schemeClr val="tx1"/>
+                </a:solidFill>
+                <a:latin typeface="Arial" panose="020B0604020202020204" pitchFamily="34" charset="0"/>
+                <a:ea typeface="微软雅黑" panose="020B0503020204020204" pitchFamily="34" charset="-122"/>
+              </a:defRPr>
+            </a:lvl9pPr>
+          </a:lstStyle>
+          <a:p>
+            <a:r>
+              <a:rPr lang="zh-CN" altLang="en-US" dirty="0" smtClean="0">
+                <a:solidFill>
+                  <a:srgbClr val="C00000"/>
+                </a:solidFill>
+                <a:latin typeface="+mj-ea"/>
+                <a:ea typeface="+mj-ea"/>
+              </a:rPr>
+              <a:t>内容提纲</a:t>
+            </a:r>
+            <a:endParaRPr lang="zh-CN" altLang="en-US" dirty="0">
+              <a:solidFill>
+                <a:srgbClr val="C00000"/>
+              </a:solidFill>
+              <a:latin typeface="+mj-ea"/>
+              <a:ea typeface="+mj-ea"/>
+            </a:endParaRPr>
+          </a:p>
+        </p:txBody>
+      </p:sp>
+      <p:sp>
+        <p:nvSpPr>
+          <p:cNvPr id="21507" name="AutoShape 6"/>
+          <p:cNvSpPr>
+            <a:spLocks noChangeArrowheads="1"/>
+          </p:cNvSpPr>
+          <p:nvPr/>
+        </p:nvSpPr>
+        <p:spPr bwMode="auto">
+          <a:xfrm>
+            <a:off x="2309813" y="1428750"/>
+            <a:ext cx="6532562" cy="3943350"/>
+          </a:xfrm>
+          <a:prstGeom prst="roundRect">
+            <a:avLst>
+              <a:gd name="adj" fmla="val 16667"/>
+            </a:avLst>
+          </a:prstGeom>
+          <a:noFill/>
+          <a:ln w="28575">
+            <a:solidFill>
+              <a:srgbClr val="C0C0C0"/>
+            </a:solidFill>
+            <a:prstDash val="sysDot"/>
+            <a:round/>
+          </a:ln>
+          <a:extLst>
+            <a:ext uri="{909E8E84-426E-40DD-AFC4-6F175D3DCCD1}">
+              <a14:hiddenFill xmlns:a14="http://schemas.microsoft.com/office/drawing/2010/main">
+                <a:solidFill>
+                  <a:srgbClr val="FFFFFF"/>
+                </a:solidFill>
+              </a14:hiddenFill>
+            </a:ext>
+          </a:extLst>
+        </p:spPr>
+        <p:txBody>
+          <a:bodyPr wrap="none" anchor="ctr"/>
+          <a:lstStyle>
+            <a:lvl1pPr marL="457200" indent="-457200">
+              <a:defRPr sz="3200">
+                <a:solidFill>
+                  <a:schemeClr val="tx1"/>
+                </a:solidFill>
+                <a:latin typeface="Arial" panose="020B0604020202020204" pitchFamily="34" charset="0"/>
+                <a:ea typeface="微软雅黑" panose="020B0503020204020204" pitchFamily="34" charset="-122"/>
+              </a:defRPr>
+            </a:lvl1pPr>
+            <a:lvl2pPr marL="742950" indent="-285750">
+              <a:defRPr sz="3200">
+                <a:solidFill>
+                  <a:schemeClr val="tx1"/>
+                </a:solidFill>
+                <a:latin typeface="Arial" panose="020B0604020202020204" pitchFamily="34" charset="0"/>
+                <a:ea typeface="微软雅黑" panose="020B0503020204020204" pitchFamily="34" charset="-122"/>
+              </a:defRPr>
+            </a:lvl2pPr>
+            <a:lvl3pPr marL="1143000" indent="-228600">
+              <a:defRPr sz="3200">
+                <a:solidFill>
+                  <a:schemeClr val="tx1"/>
+                </a:solidFill>
+                <a:latin typeface="Arial" panose="020B0604020202020204" pitchFamily="34" charset="0"/>
+                <a:ea typeface="微软雅黑" panose="020B0503020204020204" pitchFamily="34" charset="-122"/>
+              </a:defRPr>
+            </a:lvl3pPr>
+            <a:lvl4pPr marL="1600200" indent="-228600">
+              <a:defRPr sz="3200">
+                <a:solidFill>
+                  <a:schemeClr val="tx1"/>
+                </a:solidFill>
+                <a:latin typeface="Arial" panose="020B0604020202020204" pitchFamily="34" charset="0"/>
+                <a:ea typeface="微软雅黑" panose="020B0503020204020204" pitchFamily="34" charset="-122"/>
+              </a:defRPr>
+            </a:lvl4pPr>
+            <a:lvl5pPr marL="2057400" indent="-228600">
+              <a:defRPr sz="3200">
+                <a:solidFill>
+                  <a:schemeClr val="tx1"/>
+                </a:solidFill>
+                <a:latin typeface="Arial" panose="020B0604020202020204" pitchFamily="34" charset="0"/>
+                <a:ea typeface="微软雅黑" panose="020B0503020204020204" pitchFamily="34" charset="-122"/>
+              </a:defRPr>
+            </a:lvl5pPr>
+            <a:lvl6pPr marL="2514600" indent="-228600" eaLnBrk="0" fontAlgn="base" hangingPunct="0">
+              <a:spcBef>
+                <a:spcPct val="0"/>
+              </a:spcBef>
+              <a:spcAft>
+                <a:spcPct val="0"/>
+              </a:spcAft>
+              <a:defRPr sz="3200">
+                <a:solidFill>
+                  <a:schemeClr val="tx1"/>
+                </a:solidFill>
+                <a:latin typeface="Arial" panose="020B0604020202020204" pitchFamily="34" charset="0"/>
+                <a:ea typeface="微软雅黑" panose="020B0503020204020204" pitchFamily="34" charset="-122"/>
+              </a:defRPr>
+            </a:lvl6pPr>
+            <a:lvl7pPr marL="2971800" indent="-228600" eaLnBrk="0" fontAlgn="base" hangingPunct="0">
+              <a:spcBef>
+                <a:spcPct val="0"/>
+              </a:spcBef>
+              <a:spcAft>
+                <a:spcPct val="0"/>
+              </a:spcAft>
+              <a:defRPr sz="3200">
+                <a:solidFill>
+                  <a:schemeClr val="tx1"/>
+                </a:solidFill>
+                <a:latin typeface="Arial" panose="020B0604020202020204" pitchFamily="34" charset="0"/>
+                <a:ea typeface="微软雅黑" panose="020B0503020204020204" pitchFamily="34" charset="-122"/>
+              </a:defRPr>
+            </a:lvl7pPr>
+            <a:lvl8pPr marL="3429000" indent="-228600" eaLnBrk="0" fontAlgn="base" hangingPunct="0">
+              <a:spcBef>
+                <a:spcPct val="0"/>
+              </a:spcBef>
+              <a:spcAft>
+                <a:spcPct val="0"/>
+              </a:spcAft>
+              <a:defRPr sz="3200">
+                <a:solidFill>
+                  <a:schemeClr val="tx1"/>
+                </a:solidFill>
+                <a:latin typeface="Arial" panose="020B0604020202020204" pitchFamily="34" charset="0"/>
+                <a:ea typeface="微软雅黑" panose="020B0503020204020204" pitchFamily="34" charset="-122"/>
+              </a:defRPr>
+            </a:lvl8pPr>
+            <a:lvl9pPr marL="3886200" indent="-228600" eaLnBrk="0" fontAlgn="base" hangingPunct="0">
+              <a:spcBef>
+                <a:spcPct val="0"/>
+              </a:spcBef>
+              <a:spcAft>
+                <a:spcPct val="0"/>
+              </a:spcAft>
+              <a:defRPr sz="3200">
+                <a:solidFill>
+                  <a:schemeClr val="tx1"/>
+                </a:solidFill>
+                <a:latin typeface="Arial" panose="020B0604020202020204" pitchFamily="34" charset="0"/>
+                <a:ea typeface="微软雅黑" panose="020B0503020204020204" pitchFamily="34" charset="-122"/>
+              </a:defRPr>
+            </a:lvl9pPr>
+          </a:lstStyle>
           <a:p>
             <a:pPr>
-              <a:defRPr/>
+              <a:lnSpc>
+                <a:spcPct val="200000"/>
+              </a:lnSpc>
+              <a:buClr>
+                <a:srgbClr val="92D050"/>
+              </a:buClr>
+              <a:buFont typeface="Wingdings" panose="05000000000000000000" pitchFamily="2" charset="2"/>
+              <a:buChar char="Ø"/>
             </a:pPr>
             <a:r>
-              <a:rPr lang="en-US" altLang="zh-CN" dirty="0" smtClean="0">
-                <a:latin typeface="+mn-ea"/>
-                <a:ea typeface="+mn-ea"/>
+              <a:rPr lang="en-US" altLang="zh-CN" sz="2800" b="1" dirty="0" smtClean="0">
+                <a:solidFill>
+                  <a:srgbClr val="C00000"/>
+                </a:solidFill>
+                <a:latin typeface="+mj-ea"/>
+                <a:ea typeface="+mj-ea"/>
               </a:rPr>
               <a:t>React </a:t>
             </a:r>
             <a:r>
-              <a:rPr lang="zh-CN" altLang="en-US" dirty="0" smtClean="0">
-                <a:latin typeface="+mn-ea"/>
-                <a:ea typeface="+mn-ea"/>
+              <a:rPr lang="zh-CN" altLang="en-US" sz="2800" b="1" dirty="0" smtClean="0">
+                <a:solidFill>
+                  <a:srgbClr val="C00000"/>
+                </a:solidFill>
+                <a:latin typeface="+mj-ea"/>
+                <a:ea typeface="+mj-ea"/>
               </a:rPr>
               <a:t>简介</a:t>
             </a:r>
-            <a:endParaRPr lang="zh-CN" altLang="en-US" dirty="0" smtClean="0">
-              <a:latin typeface="+mn-ea"/>
-              <a:ea typeface="+mn-ea"/>
+            <a:endParaRPr lang="en-US" altLang="zh-CN" sz="2800" b="1" dirty="0" smtClean="0">
+              <a:solidFill>
+                <a:srgbClr val="C00000"/>
+              </a:solidFill>
+              <a:latin typeface="+mj-ea"/>
+              <a:ea typeface="+mj-ea"/>
+            </a:endParaRPr>
+          </a:p>
+          <a:p>
+            <a:pPr>
+              <a:lnSpc>
+                <a:spcPct val="200000"/>
+              </a:lnSpc>
+              <a:buClr>
+                <a:srgbClr val="92D050"/>
+              </a:buClr>
+              <a:buFont typeface="Wingdings" panose="05000000000000000000" pitchFamily="2" charset="2"/>
+              <a:buChar char="Ø"/>
+            </a:pPr>
+            <a:r>
+              <a:rPr lang="en-US" altLang="zh-CN" sz="2800" b="1" dirty="0" smtClean="0">
+                <a:latin typeface="+mj-ea"/>
+                <a:ea typeface="+mj-ea"/>
+              </a:rPr>
+              <a:t>React </a:t>
+            </a:r>
+            <a:r>
+              <a:rPr lang="zh-CN" altLang="en-US" sz="2800" b="1" smtClean="0">
+                <a:latin typeface="+mj-ea"/>
+                <a:ea typeface="+mj-ea"/>
+              </a:rPr>
+              <a:t>安装</a:t>
+            </a:r>
+            <a:endParaRPr lang="en-US" altLang="zh-CN" sz="2800" b="1" dirty="0" smtClean="0">
+              <a:latin typeface="+mj-ea"/>
+              <a:ea typeface="+mj-ea"/>
             </a:endParaRPr>
           </a:p>
         </p:txBody>
       </p:sp>
     </p:spTree>
+    <p:extLst>
+      <p:ext uri="{BB962C8B-B14F-4D97-AF65-F5344CB8AC3E}">
+        <p14:creationId xmlns:p14="http://schemas.microsoft.com/office/powerpoint/2010/main" val="1738233305"/>
+      </p:ext>
+    </p:extLst>
   </p:cSld>
   <p:clrMapOvr>
     <a:masterClrMapping/>
   </p:clrMapOvr>
+  <p:transition/>
   <p:timing>
     <p:tnLst>
       <p:par>
@@ -2319,8 +2926,8 @@
         </p:nvSpPr>
         <p:spPr bwMode="auto">
           <a:xfrm>
-            <a:off x="693526" y="907844"/>
-            <a:ext cx="10228685" cy="4970277"/>
+            <a:off x="693526" y="907845"/>
+            <a:ext cx="10228685" cy="4321378"/>
           </a:xfrm>
           <a:solidFill>
             <a:schemeClr val="bg1"/>
@@ -2336,112 +2943,32 @@
               <a:t> React </a:t>
             </a:r>
             <a:r>
+              <a:rPr lang="zh-CN" altLang="en-US" dirty="0" smtClean="0"/>
+              <a:t>简介</a:t>
+            </a:r>
+            <a:endParaRPr lang="en-US" altLang="zh-CN" dirty="0" smtClean="0"/>
+          </a:p>
+          <a:p>
+            <a:pPr marL="591820" lvl="1"/>
+            <a:r>
+              <a:rPr lang="en-US" altLang="zh-CN" sz="2400" dirty="0" smtClean="0"/>
+              <a:t> </a:t>
+            </a:r>
+            <a:r>
+              <a:rPr lang="zh-CN" altLang="en-US" dirty="0" smtClean="0"/>
+              <a:t>是</a:t>
+            </a:r>
+            <a:r>
               <a:rPr lang="zh-CN" altLang="en-US" dirty="0"/>
-              <a:t>特点</a:t>
-            </a:r>
-            <a:endParaRPr lang="en-US" altLang="zh-CN" dirty="0" smtClean="0"/>
-          </a:p>
-          <a:p>
-            <a:pPr marL="591820" lvl="1"/>
-            <a:r>
-              <a:rPr lang="zh-CN" altLang="en-US" b="1" dirty="0" smtClean="0"/>
-              <a:t> 声明</a:t>
-            </a:r>
-            <a:r>
-              <a:rPr lang="zh-CN" altLang="en-US" b="1" dirty="0"/>
-              <a:t>式设计</a:t>
-            </a:r>
-            <a:r>
-              <a:rPr lang="zh-CN" altLang="en-US" dirty="0"/>
-              <a:t> −</a:t>
+              <a:t>一个用于构建用户界面的 </a:t>
             </a:r>
             <a:r>
               <a:rPr lang="en-US" altLang="zh-CN" dirty="0" smtClean="0"/>
-              <a:t>React </a:t>
+              <a:t>JavaScript </a:t>
             </a:r>
             <a:r>
               <a:rPr lang="zh-CN" altLang="en-US" dirty="0" smtClean="0"/>
-              <a:t>采用</a:t>
-            </a:r>
-            <a:r>
-              <a:rPr lang="zh-CN" altLang="en-US" dirty="0"/>
-              <a:t>声明范式，可以轻松描述</a:t>
-            </a:r>
-            <a:r>
-              <a:rPr lang="zh-CN" altLang="en-US" dirty="0" smtClean="0"/>
-              <a:t>应用</a:t>
-            </a:r>
-            <a:endParaRPr lang="en-US" altLang="zh-CN" dirty="0" smtClean="0"/>
-          </a:p>
-          <a:p>
-            <a:pPr marL="591820" lvl="1"/>
-            <a:r>
-              <a:rPr lang="zh-CN" altLang="en-US" b="1" dirty="0" smtClean="0"/>
-              <a:t> 高效</a:t>
-            </a:r>
-            <a:r>
-              <a:rPr lang="zh-CN" altLang="en-US" dirty="0"/>
-              <a:t> −</a:t>
-            </a:r>
-            <a:r>
-              <a:rPr lang="en-US" altLang="zh-CN" dirty="0" smtClean="0"/>
-              <a:t>React </a:t>
-            </a:r>
-            <a:r>
-              <a:rPr lang="zh-CN" altLang="en-US" dirty="0" smtClean="0"/>
-              <a:t>通过对 </a:t>
-            </a:r>
-            <a:r>
-              <a:rPr lang="en-US" altLang="zh-CN" dirty="0" smtClean="0"/>
-              <a:t>DOM </a:t>
-            </a:r>
-            <a:r>
-              <a:rPr lang="zh-CN" altLang="en-US" dirty="0" smtClean="0"/>
-              <a:t>的</a:t>
-            </a:r>
-            <a:r>
-              <a:rPr lang="zh-CN" altLang="en-US" dirty="0"/>
-              <a:t>模拟，最大限度地减少</a:t>
-            </a:r>
-            <a:r>
-              <a:rPr lang="zh-CN" altLang="en-US" dirty="0" smtClean="0"/>
-              <a:t>与 </a:t>
-            </a:r>
-            <a:r>
-              <a:rPr lang="en-US" altLang="zh-CN" dirty="0" smtClean="0"/>
-              <a:t>DOM</a:t>
-            </a:r>
-            <a:r>
-              <a:rPr lang="zh-CN" altLang="en-US" dirty="0" smtClean="0"/>
-              <a:t>的 交互</a:t>
-            </a:r>
-            <a:endParaRPr lang="en-US" altLang="zh-CN" dirty="0" smtClean="0"/>
-          </a:p>
-          <a:p>
-            <a:pPr marL="591820" lvl="1"/>
-            <a:r>
-              <a:rPr lang="zh-CN" altLang="en-US" b="1" dirty="0" smtClean="0"/>
-              <a:t> 灵活</a:t>
-            </a:r>
-            <a:r>
-              <a:rPr lang="zh-CN" altLang="en-US" dirty="0"/>
-              <a:t> −</a:t>
-            </a:r>
-            <a:r>
-              <a:rPr lang="en-US" altLang="zh-CN" dirty="0" smtClean="0"/>
-              <a:t>React </a:t>
-            </a:r>
-            <a:r>
-              <a:rPr lang="zh-CN" altLang="en-US" dirty="0" smtClean="0"/>
-              <a:t>可以</a:t>
-            </a:r>
-            <a:r>
-              <a:rPr lang="zh-CN" altLang="en-US" dirty="0"/>
-              <a:t>与已知的库或框架很好地</a:t>
-            </a:r>
-            <a:r>
-              <a:rPr lang="zh-CN" altLang="en-US" dirty="0" smtClean="0"/>
-              <a:t>配合</a:t>
+              <a:t>库</a:t>
             </a:r>
             <a:endParaRPr lang="en-US" altLang="zh-CN" dirty="0" smtClean="0"/>
           </a:p>
@@ -2452,12 +2979,24 @@
               <a:t> </a:t>
             </a:r>
             <a:r>
-              <a:rPr lang="en-US" altLang="zh-CN" b="1" dirty="0"/>
-              <a:t>JSX</a:t>
+              <a:rPr lang="zh-CN" altLang="en-US" dirty="0" smtClean="0"/>
+              <a:t>主要</a:t>
+            </a:r>
+            <a:r>
+              <a:rPr lang="zh-CN" altLang="en-US" dirty="0"/>
+              <a:t>用于构建</a:t>
             </a:r>
             <a:r>
               <a:rPr lang="en-US" altLang="zh-CN" dirty="0"/>
-              <a:t> − JSX </a:t>
+              <a:t>UI</a:t>
+            </a:r>
+            <a:r>
+              <a:rPr lang="zh-CN" altLang="en-US" dirty="0"/>
+              <a:t>，很多人认为 </a:t>
+            </a:r>
+            <a:r>
+              <a:rPr lang="en-US" altLang="zh-CN" dirty="0"/>
+              <a:t>React </a:t>
             </a:r>
             <a:r>
               <a:rPr lang="zh-CN" altLang="en-US" dirty="0"/>
@@ -2465,71 +3004,82 @@
             </a:r>
             <a:r>
               <a:rPr lang="en-US" altLang="zh-CN" dirty="0"/>
-              <a:t>JavaScript </a:t>
+              <a:t>MVC </a:t>
             </a:r>
             <a:r>
               <a:rPr lang="zh-CN" altLang="en-US" dirty="0"/>
-              <a:t>语法的</a:t>
+              <a:t>中的 </a:t>
+            </a:r>
+            <a:r>
+              <a:rPr lang="en-US" altLang="zh-CN" dirty="0" smtClean="0"/>
+              <a:t>V</a:t>
+            </a:r>
+          </a:p>
+          <a:p>
+            <a:pPr marL="591820" lvl="1"/>
+            <a:r>
+              <a:rPr lang="en-US" altLang="zh-CN" sz="2400" dirty="0"/>
+              <a:t> </a:t>
             </a:r>
             <a:r>
               <a:rPr lang="zh-CN" altLang="en-US" dirty="0" smtClean="0"/>
-              <a:t>扩展，建议</a:t>
+              <a:t>起源于 </a:t>
+            </a:r>
+            <a:r>
+              <a:rPr lang="en-US" altLang="zh-CN" dirty="0"/>
+              <a:t>Facebook </a:t>
             </a:r>
             <a:r>
               <a:rPr lang="zh-CN" altLang="en-US" dirty="0"/>
-              <a:t>使用</a:t>
+              <a:t>的内部项目，用来架设 </a:t>
+            </a:r>
+            <a:r>
+              <a:rPr lang="en-US" altLang="zh-CN" dirty="0" err="1"/>
+              <a:t>Instagram</a:t>
+            </a:r>
+            <a:r>
+              <a:rPr lang="en-US" altLang="zh-CN" dirty="0"/>
+              <a:t> </a:t>
+            </a:r>
+            <a:r>
+              <a:rPr lang="zh-CN" altLang="en-US" dirty="0"/>
+              <a:t>的网站，并于 </a:t>
+            </a:r>
+            <a:r>
+              <a:rPr lang="en-US" altLang="zh-CN" dirty="0"/>
+              <a:t>2013 </a:t>
+            </a:r>
+            <a:r>
+              <a:rPr lang="zh-CN" altLang="en-US" dirty="0"/>
+              <a:t>年 </a:t>
+            </a:r>
+            <a:r>
+              <a:rPr lang="en-US" altLang="zh-CN" dirty="0"/>
+              <a:t>5 </a:t>
+            </a:r>
+            <a:r>
+              <a:rPr lang="zh-CN" altLang="en-US" dirty="0"/>
+              <a:t>月开</a:t>
             </a:r>
             <a:r>
               <a:rPr lang="zh-CN" altLang="en-US" dirty="0" smtClean="0"/>
-              <a:t>它</a:t>
+              <a:t>源</a:t>
             </a:r>
             <a:endParaRPr lang="en-US" altLang="zh-CN" dirty="0" smtClean="0"/>
           </a:p>
           <a:p>
             <a:pPr marL="591820" lvl="1"/>
             <a:r>
-              <a:rPr lang="zh-CN" altLang="en-US" b="1" dirty="0" smtClean="0"/>
-              <a:t> 组件</a:t>
+              <a:rPr lang="en-US" altLang="zh-CN" sz="2400" dirty="0"/>
+              <a:t> </a:t>
+            </a:r>
+            <a:r>
+              <a:rPr lang="zh-CN" altLang="en-US" dirty="0" smtClean="0"/>
+              <a:t>拥有</a:t>
             </a:r>
             <a:r>
               <a:rPr lang="zh-CN" altLang="en-US" dirty="0"/>
-              <a:t> − 通过 </a:t>
-            </a:r>
-            <a:r>
-              <a:rPr lang="en-US" altLang="zh-CN" dirty="0"/>
-              <a:t>React </a:t>
-            </a:r>
-            <a:r>
-              <a:rPr lang="zh-CN" altLang="en-US" dirty="0"/>
-              <a:t>构建组件，使得代码更加容易得到</a:t>
-            </a:r>
-            <a:r>
-              <a:rPr lang="zh-CN" altLang="en-US" dirty="0" smtClean="0"/>
-              <a:t>复用</a:t>
-            </a:r>
-            <a:endParaRPr lang="en-US" altLang="zh-CN" dirty="0" smtClean="0"/>
-          </a:p>
-          <a:p>
-            <a:pPr marL="591820" lvl="1"/>
-            <a:r>
-              <a:rPr lang="zh-CN" altLang="en-US" b="1" dirty="0" smtClean="0"/>
-              <a:t> 单向</a:t>
-            </a:r>
-            <a:r>
-              <a:rPr lang="zh-CN" altLang="en-US" b="1" dirty="0"/>
-              <a:t>响应的数据流</a:t>
-            </a:r>
-            <a:r>
-              <a:rPr lang="zh-CN" altLang="en-US" dirty="0"/>
-              <a:t> − </a:t>
-            </a:r>
-            <a:r>
-              <a:rPr lang="en-US" altLang="zh-CN" dirty="0"/>
-              <a:t>React </a:t>
-            </a:r>
-            <a:r>
-              <a:rPr lang="zh-CN" altLang="en-US" dirty="0"/>
-              <a:t>实现了单向响应的数据流，从而减少了重复代码</a:t>
+              <a:t>较高的性能，代码逻辑非常简单</a:t>
             </a:r>
             <a:endParaRPr lang="en-US" altLang="zh-CN" sz="2400" dirty="0" smtClean="0"/>
           </a:p>
@@ -2599,25 +3149,16 @@
               <a:t>React </a:t>
             </a:r>
             <a:r>
-              <a:rPr lang="zh-CN" altLang="en-US" dirty="0">
+              <a:rPr lang="zh-CN" altLang="en-US" dirty="0" smtClean="0">
                 <a:latin typeface="+mn-ea"/>
                 <a:ea typeface="+mn-ea"/>
               </a:rPr>
-              <a:t>特点</a:t>
-            </a:r>
-            <a:endParaRPr lang="zh-CN" altLang="en-US" dirty="0" smtClean="0">
-              <a:latin typeface="+mn-ea"/>
-              <a:ea typeface="+mn-ea"/>
-            </a:endParaRPr>
+              <a:t>简介</a:t>
+            </a:r>
           </a:p>
         </p:txBody>
       </p:sp>
     </p:spTree>
-    <p:extLst>
-      <p:ext uri="{BB962C8B-B14F-4D97-AF65-F5344CB8AC3E}">
-        <p14:creationId xmlns:p14="http://schemas.microsoft.com/office/powerpoint/2010/main" val="2681966669"/>
-      </p:ext>
-    </p:extLst>
   </p:cSld>
   <p:clrMapOvr>
     <a:masterClrMapping/>
@@ -2661,8 +3202,8 @@
         </p:nvSpPr>
         <p:spPr bwMode="auto">
           <a:xfrm>
-            <a:off x="693526" y="907845"/>
-            <a:ext cx="8788025" cy="5042310"/>
+            <a:off x="693526" y="907844"/>
+            <a:ext cx="10228685" cy="4970277"/>
           </a:xfrm>
           <a:solidFill>
             <a:schemeClr val="bg1"/>
@@ -2674,8 +3215,28 @@
           <a:p>
             <a:pPr marL="360045"/>
             <a:r>
-              <a:rPr lang="en-US" altLang="zh-CN" dirty="0"/>
-              <a:t> </a:t>
+              <a:rPr lang="en-US" altLang="zh-CN" dirty="0" smtClean="0"/>
+              <a:t> React </a:t>
+            </a:r>
+            <a:r>
+              <a:rPr lang="zh-CN" altLang="en-US" dirty="0"/>
+              <a:t>特点</a:t>
+            </a:r>
+            <a:endParaRPr lang="en-US" altLang="zh-CN" dirty="0" smtClean="0"/>
+          </a:p>
+          <a:p>
+            <a:pPr marL="591820" lvl="1"/>
+            <a:r>
+              <a:rPr lang="zh-CN" altLang="en-US" b="1" dirty="0" smtClean="0"/>
+              <a:t> 声明</a:t>
+            </a:r>
+            <a:r>
+              <a:rPr lang="zh-CN" altLang="en-US" b="1" dirty="0"/>
+              <a:t>式设计</a:t>
+            </a:r>
+            <a:r>
+              <a:rPr lang="zh-CN" altLang="en-US" dirty="0"/>
+              <a:t> −</a:t>
             </a:r>
             <a:r>
               <a:rPr lang="en-US" altLang="zh-CN" dirty="0" smtClean="0"/>
@@ -2683,113 +3244,177 @@
             </a:r>
             <a:r>
               <a:rPr lang="zh-CN" altLang="en-US" dirty="0" smtClean="0"/>
+              <a:t>采用</a:t>
+            </a:r>
+            <a:r>
+              <a:rPr lang="zh-CN" altLang="en-US" dirty="0"/>
+              <a:t>声明范式，可以轻松描述</a:t>
+            </a:r>
+            <a:r>
+              <a:rPr lang="zh-CN" altLang="en-US" dirty="0" smtClean="0"/>
+              <a:t>应用</a:t>
+            </a:r>
+            <a:endParaRPr lang="en-US" altLang="zh-CN" dirty="0" smtClean="0"/>
+          </a:p>
+          <a:p>
+            <a:pPr marL="591820" lvl="1"/>
+            <a:r>
+              <a:rPr lang="zh-CN" altLang="en-US" b="1" dirty="0" smtClean="0"/>
+              <a:t> 高效</a:t>
+            </a:r>
+            <a:r>
+              <a:rPr lang="zh-CN" altLang="en-US" dirty="0"/>
+              <a:t> −</a:t>
+            </a:r>
+            <a:r>
+              <a:rPr lang="en-US" altLang="zh-CN" dirty="0" smtClean="0"/>
+              <a:t>React </a:t>
+            </a:r>
+            <a:r>
+              <a:rPr lang="zh-CN" altLang="en-US" dirty="0" smtClean="0"/>
+              <a:t>通过对 </a:t>
+            </a:r>
+            <a:r>
+              <a:rPr lang="en-US" altLang="zh-CN" dirty="0" smtClean="0"/>
+              <a:t>DOM </a:t>
+            </a:r>
+            <a:r>
+              <a:rPr lang="zh-CN" altLang="en-US" dirty="0" smtClean="0"/>
+              <a:t>的</a:t>
+            </a:r>
+            <a:r>
+              <a:rPr lang="zh-CN" altLang="en-US" dirty="0"/>
+              <a:t>模拟，最大限度地减少</a:t>
+            </a:r>
+            <a:r>
+              <a:rPr lang="zh-CN" altLang="en-US" dirty="0" smtClean="0"/>
               <a:t>与 </a:t>
             </a:r>
             <a:r>
               <a:rPr lang="en-US" altLang="zh-CN" dirty="0" smtClean="0"/>
-              <a:t>Angular</a:t>
-            </a:r>
+              <a:t>DOM</a:t>
+            </a:r>
+            <a:r>
+              <a:rPr lang="zh-CN" altLang="en-US" dirty="0" smtClean="0"/>
+              <a:t>的 交互</a:t>
+            </a:r>
+            <a:endParaRPr lang="en-US" altLang="zh-CN" dirty="0" smtClean="0"/>
           </a:p>
           <a:p>
             <a:pPr marL="591820" lvl="1"/>
             <a:r>
+              <a:rPr lang="zh-CN" altLang="en-US" b="1" dirty="0" smtClean="0"/>
+              <a:t> 灵活</a:t>
+            </a:r>
+            <a:r>
+              <a:rPr lang="zh-CN" altLang="en-US" dirty="0"/>
+              <a:t> −</a:t>
+            </a:r>
+            <a:r>
               <a:rPr lang="en-US" altLang="zh-CN" dirty="0" smtClean="0"/>
+              <a:t>React </a:t>
+            </a:r>
+            <a:r>
+              <a:rPr lang="zh-CN" altLang="en-US" dirty="0" smtClean="0"/>
+              <a:t>可以</a:t>
+            </a:r>
+            <a:r>
+              <a:rPr lang="zh-CN" altLang="en-US" dirty="0"/>
+              <a:t>与已知的库或框架很好地</a:t>
+            </a:r>
+            <a:r>
+              <a:rPr lang="zh-CN" altLang="en-US" dirty="0" smtClean="0"/>
+              <a:t>配合</a:t>
+            </a:r>
+            <a:endParaRPr lang="en-US" altLang="zh-CN" dirty="0" smtClean="0"/>
+          </a:p>
+          <a:p>
+            <a:pPr marL="591820" lvl="1"/>
+            <a:r>
+              <a:rPr lang="en-US" altLang="zh-CN" sz="2400" dirty="0"/>
               <a:t> </a:t>
             </a:r>
             <a:r>
+              <a:rPr lang="en-US" altLang="zh-CN" b="1" dirty="0"/>
+              <a:t>JSX</a:t>
+            </a:r>
+            <a:r>
+              <a:rPr lang="en-US" altLang="zh-CN" dirty="0"/>
+              <a:t> − JSX </a:t>
+            </a:r>
+            <a:r>
+              <a:rPr lang="zh-CN" altLang="en-US" dirty="0"/>
+              <a:t>是 </a:t>
+            </a:r>
+            <a:r>
+              <a:rPr lang="en-US" altLang="zh-CN" dirty="0"/>
+              <a:t>JavaScript </a:t>
+            </a:r>
+            <a:r>
+              <a:rPr lang="zh-CN" altLang="en-US" dirty="0"/>
+              <a:t>语法的</a:t>
+            </a:r>
+            <a:r>
               <a:rPr lang="zh-CN" altLang="en-US" dirty="0" smtClean="0"/>
-              <a:t>都是基于组件化的架构</a:t>
-            </a:r>
-            <a:endParaRPr lang="zh-CN" altLang="en-US" sz="1600" dirty="0">
-              <a:latin typeface="+mn-ea"/>
-            </a:endParaRPr>
-          </a:p>
-          <a:p>
-            <a:pPr marL="360045"/>
+              <a:t>扩展，建议</a:t>
+            </a:r>
+            <a:r>
+              <a:rPr lang="zh-CN" altLang="en-US" dirty="0"/>
+              <a:t>使用</a:t>
+            </a:r>
+            <a:r>
+              <a:rPr lang="zh-CN" altLang="en-US" dirty="0" smtClean="0"/>
+              <a:t>它</a:t>
+            </a:r>
+            <a:endParaRPr lang="en-US" altLang="zh-CN" dirty="0" smtClean="0"/>
+          </a:p>
+          <a:p>
+            <a:pPr marL="591820" lvl="1"/>
+            <a:r>
+              <a:rPr lang="zh-CN" altLang="en-US" b="1" dirty="0" smtClean="0"/>
+              <a:t> 组件</a:t>
+            </a:r>
+            <a:r>
+              <a:rPr lang="zh-CN" altLang="en-US" dirty="0"/>
+              <a:t> − 通过 </a:t>
+            </a:r>
             <a:r>
               <a:rPr lang="en-US" altLang="zh-CN" dirty="0"/>
-              <a:t> Angular</a:t>
+              <a:t>React </a:t>
+            </a:r>
+            <a:r>
+              <a:rPr lang="zh-CN" altLang="en-US" dirty="0"/>
+              <a:t>构建组件，使得代码更加容易得到</a:t>
+            </a:r>
+            <a:r>
+              <a:rPr lang="zh-CN" altLang="en-US" dirty="0" smtClean="0"/>
+              <a:t>复用</a:t>
             </a:r>
             <a:endParaRPr lang="en-US" altLang="zh-CN" dirty="0" smtClean="0"/>
           </a:p>
           <a:p>
             <a:pPr marL="591820" lvl="1"/>
             <a:r>
-              <a:rPr lang="en-US" altLang="zh-CN" sz="2400" dirty="0" smtClean="0"/>
-              <a:t> </a:t>
+              <a:rPr lang="zh-CN" altLang="en-US" b="1" dirty="0" smtClean="0"/>
+              <a:t> 单向</a:t>
+            </a:r>
+            <a:r>
+              <a:rPr lang="zh-CN" altLang="en-US" b="1" dirty="0"/>
+              <a:t>响应的数据流</a:t>
             </a:r>
             <a:r>
               <a:rPr lang="zh-CN" altLang="en-US" dirty="0"/>
-              <a:t>是一</a:t>
-            </a:r>
-            <a:r>
-              <a:rPr lang="zh-CN" altLang="en-US" dirty="0" smtClean="0"/>
-              <a:t>个框架（</a:t>
-            </a:r>
-            <a:r>
-              <a:rPr lang="en-US" altLang="zh-CN" dirty="0" smtClean="0"/>
-              <a:t>framework</a:t>
-            </a:r>
-            <a:r>
-              <a:rPr lang="zh-CN" altLang="en-US" dirty="0" smtClean="0"/>
-              <a:t>），一个完整的解决方案</a:t>
-            </a:r>
-            <a:endParaRPr lang="en-US" altLang="zh-CN" dirty="0" smtClean="0"/>
-          </a:p>
-          <a:p>
-            <a:pPr marL="360045"/>
+              <a:t> − </a:t>
+            </a:r>
             <a:r>
               <a:rPr lang="en-US" altLang="zh-CN" dirty="0"/>
-              <a:t> </a:t>
-            </a:r>
-            <a:r>
-              <a:rPr lang="en-US" altLang="zh-CN" dirty="0" smtClean="0"/>
-              <a:t>React</a:t>
-            </a:r>
-          </a:p>
-          <a:p>
-            <a:pPr marL="591820" lvl="1"/>
-            <a:r>
-              <a:rPr lang="en-US" altLang="zh-CN" dirty="0"/>
-              <a:t> </a:t>
-            </a:r>
-            <a:r>
-              <a:rPr lang="zh-CN" altLang="en-US" dirty="0" smtClean="0"/>
-              <a:t>是一个（</a:t>
-            </a:r>
-            <a:r>
-              <a:rPr lang="en-US" altLang="zh-CN" dirty="0" smtClean="0"/>
-              <a:t>view</a:t>
-            </a:r>
-            <a:r>
-              <a:rPr lang="zh-CN" altLang="en-US" dirty="0" smtClean="0"/>
-              <a:t>）库（</a:t>
-            </a:r>
-            <a:r>
-              <a:rPr lang="en-US" altLang="zh-CN" dirty="0" smtClean="0"/>
-              <a:t>library</a:t>
-            </a:r>
-            <a:r>
-              <a:rPr lang="zh-CN" altLang="en-US" dirty="0" smtClean="0"/>
-              <a:t>）</a:t>
-            </a:r>
-            <a:endParaRPr lang="en-US" altLang="zh-CN" dirty="0" smtClean="0"/>
-          </a:p>
-          <a:p>
-            <a:pPr marL="591820" lvl="1"/>
-            <a:r>
-              <a:rPr lang="en-US" altLang="zh-CN" dirty="0"/>
-              <a:t> </a:t>
-            </a:r>
-            <a:r>
-              <a:rPr lang="zh-CN" altLang="en-US" dirty="0" smtClean="0"/>
-              <a:t>接口很少，需结合其他库</a:t>
-            </a:r>
-            <a:endParaRPr lang="en-US" altLang="zh-CN" dirty="0" smtClean="0"/>
-          </a:p>
-          <a:p>
-            <a:pPr marL="360045"/>
-            <a:endParaRPr lang="en-US" altLang="zh-CN" sz="3400" dirty="0" smtClean="0"/>
+              <a:t>React </a:t>
+            </a:r>
+            <a:r>
+              <a:rPr lang="zh-CN" altLang="en-US" dirty="0"/>
+              <a:t>实现了单向响应的数据流，从而减少了重复代码</a:t>
+            </a:r>
+            <a:endParaRPr lang="en-US" altLang="zh-CN" sz="2400" dirty="0" smtClean="0"/>
           </a:p>
           <a:p>
             <a:pPr marL="360045" lvl="1" indent="0">
@@ -2857,18 +3482,11 @@
               <a:t>React </a:t>
             </a:r>
             <a:r>
-              <a:rPr lang="zh-CN" altLang="en-US" dirty="0" smtClean="0">
+              <a:rPr lang="zh-CN" altLang="en-US" dirty="0">
                 <a:latin typeface="+mn-ea"/>
                 <a:ea typeface="+mn-ea"/>
               </a:rPr>
-              <a:t>与 </a:t>
-            </a:r>
-            <a:r>
-              <a:rPr lang="en-US" altLang="zh-CN" dirty="0" smtClean="0">
-                <a:latin typeface="+mn-ea"/>
-                <a:ea typeface="+mn-ea"/>
-              </a:rPr>
-              <a:t>Angular</a:t>
+              <a:t>特点</a:t>
             </a:r>
             <a:endParaRPr lang="zh-CN" altLang="en-US" dirty="0" smtClean="0">
               <a:latin typeface="+mn-ea"/>
@@ -2880,7 +3498,7 @@
     </p:spTree>
     <p:extLst>
       <p:ext uri="{BB962C8B-B14F-4D97-AF65-F5344CB8AC3E}">
-        <p14:creationId xmlns:p14="http://schemas.microsoft.com/office/powerpoint/2010/main" val="1511948798"/>
+        <p14:creationId xmlns:p14="http://schemas.microsoft.com/office/powerpoint/2010/main" val="2681966669"/>
       </p:ext>
     </p:extLst>
   </p:cSld>
@@ -2944,83 +3562,117 @@
             </a:r>
             <a:r>
               <a:rPr lang="en-US" altLang="zh-CN" dirty="0" smtClean="0"/>
-              <a:t>React Native</a:t>
+              <a:t>React </a:t>
+            </a:r>
+            <a:r>
+              <a:rPr lang="zh-CN" altLang="en-US" dirty="0" smtClean="0"/>
+              <a:t>与 </a:t>
+            </a:r>
+            <a:r>
+              <a:rPr lang="en-US" altLang="zh-CN" dirty="0" smtClean="0"/>
+              <a:t>Angular</a:t>
             </a:r>
           </a:p>
           <a:p>
             <a:pPr marL="591820" lvl="1"/>
             <a:r>
+              <a:rPr lang="en-US" altLang="zh-CN" dirty="0" smtClean="0"/>
+              <a:t> </a:t>
+            </a:r>
+            <a:r>
               <a:rPr lang="zh-CN" altLang="en-US" dirty="0" smtClean="0"/>
-              <a:t> 使用 </a:t>
+              <a:t>都是基于组件化的架构</a:t>
+            </a:r>
+            <a:endParaRPr lang="zh-CN" altLang="en-US" sz="1600" dirty="0">
+              <a:latin typeface="+mn-ea"/>
+            </a:endParaRPr>
+          </a:p>
+          <a:p>
+            <a:pPr marL="360045"/>
+            <a:r>
+              <a:rPr lang="en-US" altLang="zh-CN" dirty="0"/>
+              <a:t> Angular</a:t>
+            </a:r>
+            <a:endParaRPr lang="en-US" altLang="zh-CN" dirty="0" smtClean="0"/>
+          </a:p>
+          <a:p>
+            <a:pPr marL="591820" lvl="1"/>
+            <a:r>
+              <a:rPr lang="en-US" altLang="zh-CN" sz="2400" dirty="0" smtClean="0"/>
+              <a:t> </a:t>
+            </a:r>
+            <a:r>
+              <a:rPr lang="zh-CN" altLang="en-US" dirty="0"/>
+              <a:t>是一</a:t>
+            </a:r>
+            <a:r>
+              <a:rPr lang="zh-CN" altLang="en-US" dirty="0" smtClean="0"/>
+              <a:t>个框架（</a:t>
             </a:r>
             <a:r>
               <a:rPr lang="en-US" altLang="zh-CN" dirty="0" smtClean="0"/>
-              <a:t>JavaScript </a:t>
+              <a:t>framework</a:t>
             </a:r>
             <a:r>
               <a:rPr lang="zh-CN" altLang="en-US" dirty="0" smtClean="0"/>
-              <a:t>和 </a:t>
+              <a:t>），一个完整的解决方案</a:t>
+            </a:r>
+            <a:endParaRPr lang="en-US" altLang="zh-CN" dirty="0" smtClean="0"/>
+          </a:p>
+          <a:p>
+            <a:pPr marL="360045"/>
+            <a:r>
+              <a:rPr lang="en-US" altLang="zh-CN" dirty="0"/>
+              <a:t> </a:t>
             </a:r>
             <a:r>
               <a:rPr lang="en-US" altLang="zh-CN" dirty="0" smtClean="0"/>
-              <a:t>React </a:t>
+              <a:t>React</a:t>
+            </a:r>
+          </a:p>
+          <a:p>
+            <a:pPr marL="591820" lvl="1"/>
+            <a:r>
+              <a:rPr lang="en-US" altLang="zh-CN" dirty="0"/>
+              <a:t> </a:t>
             </a:r>
             <a:r>
               <a:rPr lang="zh-CN" altLang="en-US" dirty="0" smtClean="0"/>
-              <a:t>编写</a:t>
-            </a:r>
-            <a:r>
-              <a:rPr lang="zh-CN" altLang="en-US" dirty="0"/>
-              <a:t>原生移动应用</a:t>
+              <a:t>是一个（</a:t>
+            </a:r>
+            <a:r>
+              <a:rPr lang="en-US" altLang="zh-CN" dirty="0" smtClean="0"/>
+              <a:t>view</a:t>
+            </a:r>
+            <a:r>
+              <a:rPr lang="zh-CN" altLang="en-US" dirty="0" smtClean="0"/>
+              <a:t>）库（</a:t>
+            </a:r>
+            <a:r>
+              <a:rPr lang="en-US" altLang="zh-CN" dirty="0" smtClean="0"/>
+              <a:t>library</a:t>
+            </a:r>
+            <a:r>
+              <a:rPr lang="zh-CN" altLang="en-US" dirty="0" smtClean="0"/>
+              <a:t>）</a:t>
             </a:r>
             <a:endParaRPr lang="en-US" altLang="zh-CN" dirty="0" smtClean="0"/>
           </a:p>
           <a:p>
+            <a:pPr marL="591820" lvl="1"/>
+            <a:r>
+              <a:rPr lang="en-US" altLang="zh-CN" dirty="0"/>
+              <a:t> </a:t>
+            </a:r>
+            <a:r>
+              <a:rPr lang="zh-CN" altLang="en-US" dirty="0" smtClean="0"/>
+              <a:t>接口很少，需结合其他库</a:t>
+            </a:r>
+            <a:endParaRPr lang="en-US" altLang="zh-CN" dirty="0" smtClean="0"/>
+          </a:p>
+          <a:p>
             <a:pPr marL="360045"/>
-            <a:r>
-              <a:rPr lang="en-US" altLang="zh-CN" dirty="0" smtClean="0"/>
-              <a:t> React VR</a:t>
-            </a:r>
-          </a:p>
-          <a:p>
-            <a:pPr marL="591820" lvl="1"/>
-            <a:r>
-              <a:rPr lang="zh-CN" altLang="en-US" dirty="0" smtClean="0"/>
-              <a:t> 使用 </a:t>
-            </a:r>
-            <a:r>
-              <a:rPr lang="en-US" altLang="zh-CN" dirty="0"/>
-              <a:t>JavaScript </a:t>
-            </a:r>
-            <a:r>
-              <a:rPr lang="zh-CN" altLang="en-US" dirty="0"/>
-              <a:t>和 </a:t>
-            </a:r>
-            <a:r>
-              <a:rPr lang="en-US" altLang="zh-CN" dirty="0"/>
-              <a:t>React </a:t>
-            </a:r>
-            <a:r>
-              <a:rPr lang="zh-CN" altLang="en-US" dirty="0"/>
-              <a:t>编写</a:t>
-            </a:r>
-            <a:r>
-              <a:rPr lang="zh-CN" altLang="en-US" dirty="0" smtClean="0"/>
-              <a:t>虚拟</a:t>
-            </a:r>
-            <a:r>
-              <a:rPr lang="zh-CN" altLang="en-US" dirty="0"/>
-              <a:t>现实（</a:t>
-            </a:r>
-            <a:r>
-              <a:rPr lang="en-US" altLang="zh-CN" dirty="0"/>
-              <a:t>VR</a:t>
-            </a:r>
-            <a:r>
-              <a:rPr lang="zh-CN" altLang="en-US" dirty="0"/>
-              <a:t>）应用程序</a:t>
-            </a:r>
-            <a:endParaRPr lang="en-US" altLang="zh-CN" dirty="0" smtClean="0"/>
+            <a:endParaRPr lang="en-US" altLang="zh-CN" sz="3400" dirty="0" smtClean="0"/>
           </a:p>
           <a:p>
             <a:pPr marL="360045" lvl="1" indent="0">
@@ -3092,12 +3744,239 @@
                 <a:latin typeface="+mn-ea"/>
                 <a:ea typeface="+mn-ea"/>
               </a:rPr>
-              <a:t>相关技术</a:t>
+              <a:t>与 </a:t>
+            </a:r>
+            <a:r>
+              <a:rPr lang="en-US" altLang="zh-CN" dirty="0" smtClean="0">
+                <a:latin typeface="+mn-ea"/>
+                <a:ea typeface="+mn-ea"/>
+              </a:rPr>
+              <a:t>Angular</a:t>
             </a:r>
             <a:endParaRPr lang="zh-CN" altLang="en-US" dirty="0" smtClean="0">
               <a:latin typeface="+mn-ea"/>
               <a:ea typeface="+mn-ea"/>
             </a:endParaRPr>
+          </a:p>
+        </p:txBody>
+      </p:sp>
+    </p:spTree>
+    <p:extLst>
+      <p:ext uri="{BB962C8B-B14F-4D97-AF65-F5344CB8AC3E}">
+        <p14:creationId xmlns:p14="http://schemas.microsoft.com/office/powerpoint/2010/main" val="1511948798"/>
+      </p:ext>
+    </p:extLst>
+  </p:cSld>
+  <p:clrMapOvr>
+    <a:masterClrMapping/>
+  </p:clrMapOvr>
+  <p:timing>
+    <p:tnLst>
+      <p:par>
+        <p:cTn id="1" dur="indefinite" restart="never" nodeType="tmRoot"/>
+      </p:par>
+    </p:tnLst>
+  </p:timing>
+</p:sld>
+</file>
+
+<file path=ppt/slides/slide6.xml><?xml version="1.0" encoding="utf-8"?>
+<p:sld xmlns:a="http://schemas.openxmlformats.org/drawingml/2006/main" xmlns:r="http://schemas.openxmlformats.org/officeDocument/2006/relationships" xmlns:p="http://schemas.openxmlformats.org/presentationml/2006/main">
+  <p:cSld>
+    <p:spTree>
+      <p:nvGrpSpPr>
+        <p:cNvPr id="1" name=""/>
+        <p:cNvGrpSpPr/>
+        <p:nvPr/>
+      </p:nvGrpSpPr>
+      <p:grpSpPr>
+        <a:xfrm>
+          <a:off x="0" y="0"/>
+          <a:ext cx="0" cy="0"/>
+          <a:chOff x="0" y="0"/>
+          <a:chExt cx="0" cy="0"/>
+        </a:xfrm>
+      </p:grpSpPr>
+      <p:sp>
+        <p:nvSpPr>
+          <p:cNvPr id="30722" name="内容占位符 3"/>
+          <p:cNvSpPr>
+            <a:spLocks noGrp="1"/>
+          </p:cNvSpPr>
+          <p:nvPr>
+            <p:ph sz="quarter" idx="10"/>
+          </p:nvPr>
+        </p:nvSpPr>
+        <p:spPr bwMode="auto">
+          <a:xfrm>
+            <a:off x="693526" y="907845"/>
+            <a:ext cx="8788025" cy="5042310"/>
+          </a:xfrm>
+          <a:solidFill>
+            <a:schemeClr val="bg1"/>
+          </a:solidFill>
+        </p:spPr>
+        <p:txBody>
+          <a:bodyPr vert="horz" wrap="square" lIns="91440" tIns="45720" rIns="91440" bIns="45720" numCol="1" anchor="t" anchorCtr="0" compatLnSpc="1"/>
+          <a:lstStyle/>
+          <a:p>
+            <a:pPr marL="360045"/>
+            <a:r>
+              <a:rPr lang="en-US" altLang="zh-CN" dirty="0"/>
+              <a:t> </a:t>
+            </a:r>
+            <a:r>
+              <a:rPr lang="en-US" altLang="zh-CN" dirty="0" smtClean="0"/>
+              <a:t>React Native</a:t>
+            </a:r>
+          </a:p>
+          <a:p>
+            <a:pPr marL="591820" lvl="1"/>
+            <a:r>
+              <a:rPr lang="zh-CN" altLang="en-US" dirty="0" smtClean="0"/>
+              <a:t> 使用 </a:t>
+            </a:r>
+            <a:r>
+              <a:rPr lang="en-US" altLang="zh-CN" dirty="0" smtClean="0"/>
+              <a:t>JavaScript </a:t>
+            </a:r>
+            <a:r>
+              <a:rPr lang="zh-CN" altLang="en-US" dirty="0" smtClean="0"/>
+              <a:t>和 </a:t>
+            </a:r>
+            <a:r>
+              <a:rPr lang="en-US" altLang="zh-CN" dirty="0" smtClean="0"/>
+              <a:t>React </a:t>
+            </a:r>
+            <a:r>
+              <a:rPr lang="zh-CN" altLang="en-US" dirty="0" smtClean="0"/>
+              <a:t>编写</a:t>
+            </a:r>
+            <a:r>
+              <a:rPr lang="zh-CN" altLang="en-US" dirty="0"/>
+              <a:t>原生移动应用</a:t>
+            </a:r>
+            <a:endParaRPr lang="en-US" altLang="zh-CN" dirty="0" smtClean="0"/>
+          </a:p>
+          <a:p>
+            <a:pPr marL="360045"/>
+            <a:r>
+              <a:rPr lang="en-US" altLang="zh-CN" dirty="0" smtClean="0"/>
+              <a:t> React VR</a:t>
+            </a:r>
+          </a:p>
+          <a:p>
+            <a:pPr marL="591820" lvl="1"/>
+            <a:r>
+              <a:rPr lang="zh-CN" altLang="en-US" dirty="0" smtClean="0"/>
+              <a:t> 使用 </a:t>
+            </a:r>
+            <a:r>
+              <a:rPr lang="en-US" altLang="zh-CN" dirty="0"/>
+              <a:t>JavaScript </a:t>
+            </a:r>
+            <a:r>
+              <a:rPr lang="zh-CN" altLang="en-US" dirty="0"/>
+              <a:t>和 </a:t>
+            </a:r>
+            <a:r>
+              <a:rPr lang="en-US" altLang="zh-CN" dirty="0"/>
+              <a:t>React </a:t>
+            </a:r>
+            <a:r>
+              <a:rPr lang="zh-CN" altLang="en-US" dirty="0"/>
+              <a:t>编写</a:t>
+            </a:r>
+            <a:r>
+              <a:rPr lang="zh-CN" altLang="en-US" dirty="0" smtClean="0"/>
+              <a:t>虚拟</a:t>
+            </a:r>
+            <a:r>
+              <a:rPr lang="zh-CN" altLang="en-US" dirty="0"/>
+              <a:t>现实（</a:t>
+            </a:r>
+            <a:r>
+              <a:rPr lang="en-US" altLang="zh-CN" dirty="0"/>
+              <a:t>VR</a:t>
+            </a:r>
+            <a:r>
+              <a:rPr lang="zh-CN" altLang="en-US" dirty="0"/>
+              <a:t>）应用程序</a:t>
+            </a:r>
+            <a:endParaRPr lang="en-US" altLang="zh-CN" dirty="0" smtClean="0"/>
+          </a:p>
+          <a:p>
+            <a:pPr marL="360045" lvl="1" indent="0">
+              <a:buFont typeface="Arial" panose="020B0604020202020204" pitchFamily="34" charset="0"/>
+              <a:buNone/>
+              <a:defRPr/>
+            </a:pPr>
+            <a:r>
+              <a:rPr lang="en-US" altLang="zh-CN" sz="2400" dirty="0" smtClean="0"/>
+              <a:t>		</a:t>
+            </a:r>
+            <a:endParaRPr lang="zh-CN" altLang="en-US" dirty="0" smtClean="0">
+              <a:ea typeface="宋体" panose="02010600030101010101" pitchFamily="2" charset="-122"/>
+            </a:endParaRPr>
+          </a:p>
+        </p:txBody>
+      </p:sp>
+      <p:sp>
+        <p:nvSpPr>
+          <p:cNvPr id="25603" name="内容占位符 4"/>
+          <p:cNvSpPr>
+            <a:spLocks noGrp="1"/>
+          </p:cNvSpPr>
+          <p:nvPr>
+            <p:ph sz="quarter" idx="11"/>
+          </p:nvPr>
+        </p:nvSpPr>
+        <p:spPr bwMode="auto">
+          <a:xfrm>
+            <a:off x="909638" y="236538"/>
+            <a:ext cx="7575550" cy="490537"/>
+          </a:xfrm>
+          <a:extLst>
+            <a:ext uri="{909E8E84-426E-40DD-AFC4-6F175D3DCCD1}">
+              <a14:hiddenFill xmlns:a14="http://schemas.microsoft.com/office/drawing/2010/main">
+                <a:solidFill>
+                  <a:srgbClr val="FFFFFF"/>
+                </a:solidFill>
+              </a14:hiddenFill>
+            </a:ext>
+            <a:ext uri="{91240B29-F687-4F45-9708-019B960494DF}">
+              <a14:hiddenLine xmlns:a14="http://schemas.microsoft.com/office/drawing/2010/main" w="9525">
+                <a:solidFill>
+                  <a:srgbClr val="000000"/>
+                </a:solidFill>
+                <a:miter lim="800000"/>
+                <a:headEnd/>
+                <a:tailEnd/>
+              </a14:hiddenLine>
+            </a:ext>
+          </a:extLst>
+        </p:spPr>
+        <p:txBody>
+          <a:bodyPr vert="horz" wrap="square" lIns="91440" tIns="45720" rIns="91440" bIns="45720" numCol="1" anchor="t" anchorCtr="0" compatLnSpc="1"/>
+          <a:lstStyle/>
+          <a:p>
+            <a:pPr>
+              <a:defRPr/>
+            </a:pPr>
+            <a:r>
+              <a:rPr lang="en-US" altLang="zh-CN" dirty="0" smtClean="0">
+                <a:latin typeface="+mn-ea"/>
+                <a:ea typeface="+mn-ea"/>
+              </a:rPr>
+              <a:t>React </a:t>
+            </a:r>
+            <a:r>
+              <a:rPr lang="zh-CN" altLang="en-US" dirty="0" smtClean="0">
+                <a:latin typeface="+mn-ea"/>
+                <a:ea typeface="+mn-ea"/>
+              </a:rPr>
+              <a:t>相关技术</a:t>
+            </a:r>
           </a:p>
         </p:txBody>
       </p:sp>
@@ -3121,7 +4000,660 @@
 </p:sld>
 </file>
 
-<file path=ppt/slides/slide6.xml><?xml version="1.0" encoding="utf-8"?>
+<file path=ppt/slides/slide7.xml><?xml version="1.0" encoding="utf-8"?>
+<p:sld xmlns:a="http://schemas.openxmlformats.org/drawingml/2006/main" xmlns:r="http://schemas.openxmlformats.org/officeDocument/2006/relationships" xmlns:p="http://schemas.openxmlformats.org/presentationml/2006/main">
+  <p:cSld>
+    <p:spTree>
+      <p:nvGrpSpPr>
+        <p:cNvPr id="1" name=""/>
+        <p:cNvGrpSpPr/>
+        <p:nvPr/>
+      </p:nvGrpSpPr>
+      <p:grpSpPr>
+        <a:xfrm>
+          <a:off x="0" y="0"/>
+          <a:ext cx="0" cy="0"/>
+          <a:chOff x="0" y="0"/>
+          <a:chExt cx="0" cy="0"/>
+        </a:xfrm>
+      </p:grpSpPr>
+      <p:sp>
+        <p:nvSpPr>
+          <p:cNvPr id="21506" name="矩形 2"/>
+          <p:cNvSpPr>
+            <a:spLocks noChangeArrowheads="1"/>
+          </p:cNvSpPr>
+          <p:nvPr/>
+        </p:nvSpPr>
+        <p:spPr bwMode="auto">
+          <a:xfrm>
+            <a:off x="1053690" y="258763"/>
+            <a:ext cx="3186523" cy="585787"/>
+          </a:xfrm>
+          <a:prstGeom prst="rect">
+            <a:avLst/>
+          </a:prstGeom>
+          <a:noFill/>
+          <a:ln>
+            <a:noFill/>
+          </a:ln>
+          <a:extLst>
+            <a:ext uri="{909E8E84-426E-40DD-AFC4-6F175D3DCCD1}">
+              <a14:hiddenFill xmlns:a14="http://schemas.microsoft.com/office/drawing/2010/main">
+                <a:solidFill>
+                  <a:srgbClr val="FFFFFF"/>
+                </a:solidFill>
+              </a14:hiddenFill>
+            </a:ext>
+            <a:ext uri="{91240B29-F687-4F45-9708-019B960494DF}">
+              <a14:hiddenLine xmlns:a14="http://schemas.microsoft.com/office/drawing/2010/main" w="9525">
+                <a:solidFill>
+                  <a:srgbClr val="000000"/>
+                </a:solidFill>
+                <a:miter lim="800000"/>
+                <a:headEnd/>
+                <a:tailEnd/>
+              </a14:hiddenLine>
+            </a:ext>
+          </a:extLst>
+        </p:spPr>
+        <p:txBody>
+          <a:bodyPr wrap="square">
+            <a:spAutoFit/>
+          </a:bodyPr>
+          <a:lstStyle>
+            <a:lvl1pPr>
+              <a:defRPr sz="3200">
+                <a:solidFill>
+                  <a:schemeClr val="tx1"/>
+                </a:solidFill>
+                <a:latin typeface="Arial" panose="020B0604020202020204" pitchFamily="34" charset="0"/>
+                <a:ea typeface="微软雅黑" panose="020B0503020204020204" pitchFamily="34" charset="-122"/>
+              </a:defRPr>
+            </a:lvl1pPr>
+            <a:lvl2pPr marL="742950" indent="-285750">
+              <a:defRPr sz="3200">
+                <a:solidFill>
+                  <a:schemeClr val="tx1"/>
+                </a:solidFill>
+                <a:latin typeface="Arial" panose="020B0604020202020204" pitchFamily="34" charset="0"/>
+                <a:ea typeface="微软雅黑" panose="020B0503020204020204" pitchFamily="34" charset="-122"/>
+              </a:defRPr>
+            </a:lvl2pPr>
+            <a:lvl3pPr marL="1143000" indent="-228600">
+              <a:defRPr sz="3200">
+                <a:solidFill>
+                  <a:schemeClr val="tx1"/>
+                </a:solidFill>
+                <a:latin typeface="Arial" panose="020B0604020202020204" pitchFamily="34" charset="0"/>
+                <a:ea typeface="微软雅黑" panose="020B0503020204020204" pitchFamily="34" charset="-122"/>
+              </a:defRPr>
+            </a:lvl3pPr>
+            <a:lvl4pPr marL="1600200" indent="-228600">
+              <a:defRPr sz="3200">
+                <a:solidFill>
+                  <a:schemeClr val="tx1"/>
+                </a:solidFill>
+                <a:latin typeface="Arial" panose="020B0604020202020204" pitchFamily="34" charset="0"/>
+                <a:ea typeface="微软雅黑" panose="020B0503020204020204" pitchFamily="34" charset="-122"/>
+              </a:defRPr>
+            </a:lvl4pPr>
+            <a:lvl5pPr marL="2057400" indent="-228600">
+              <a:defRPr sz="3200">
+                <a:solidFill>
+                  <a:schemeClr val="tx1"/>
+                </a:solidFill>
+                <a:latin typeface="Arial" panose="020B0604020202020204" pitchFamily="34" charset="0"/>
+                <a:ea typeface="微软雅黑" panose="020B0503020204020204" pitchFamily="34" charset="-122"/>
+              </a:defRPr>
+            </a:lvl5pPr>
+            <a:lvl6pPr marL="2514600" indent="-228600" eaLnBrk="0" fontAlgn="base" hangingPunct="0">
+              <a:spcBef>
+                <a:spcPct val="0"/>
+              </a:spcBef>
+              <a:spcAft>
+                <a:spcPct val="0"/>
+              </a:spcAft>
+              <a:defRPr sz="3200">
+                <a:solidFill>
+                  <a:schemeClr val="tx1"/>
+                </a:solidFill>
+                <a:latin typeface="Arial" panose="020B0604020202020204" pitchFamily="34" charset="0"/>
+                <a:ea typeface="微软雅黑" panose="020B0503020204020204" pitchFamily="34" charset="-122"/>
+              </a:defRPr>
+            </a:lvl6pPr>
+            <a:lvl7pPr marL="2971800" indent="-228600" eaLnBrk="0" fontAlgn="base" hangingPunct="0">
+              <a:spcBef>
+                <a:spcPct val="0"/>
+              </a:spcBef>
+              <a:spcAft>
+                <a:spcPct val="0"/>
+              </a:spcAft>
+              <a:defRPr sz="3200">
+                <a:solidFill>
+                  <a:schemeClr val="tx1"/>
+                </a:solidFill>
+                <a:latin typeface="Arial" panose="020B0604020202020204" pitchFamily="34" charset="0"/>
+                <a:ea typeface="微软雅黑" panose="020B0503020204020204" pitchFamily="34" charset="-122"/>
+              </a:defRPr>
+            </a:lvl7pPr>
+            <a:lvl8pPr marL="3429000" indent="-228600" eaLnBrk="0" fontAlgn="base" hangingPunct="0">
+              <a:spcBef>
+                <a:spcPct val="0"/>
+              </a:spcBef>
+              <a:spcAft>
+                <a:spcPct val="0"/>
+              </a:spcAft>
+              <a:defRPr sz="3200">
+                <a:solidFill>
+                  <a:schemeClr val="tx1"/>
+                </a:solidFill>
+                <a:latin typeface="Arial" panose="020B0604020202020204" pitchFamily="34" charset="0"/>
+                <a:ea typeface="微软雅黑" panose="020B0503020204020204" pitchFamily="34" charset="-122"/>
+              </a:defRPr>
+            </a:lvl8pPr>
+            <a:lvl9pPr marL="3886200" indent="-228600" eaLnBrk="0" fontAlgn="base" hangingPunct="0">
+              <a:spcBef>
+                <a:spcPct val="0"/>
+              </a:spcBef>
+              <a:spcAft>
+                <a:spcPct val="0"/>
+              </a:spcAft>
+              <a:defRPr sz="3200">
+                <a:solidFill>
+                  <a:schemeClr val="tx1"/>
+                </a:solidFill>
+                <a:latin typeface="Arial" panose="020B0604020202020204" pitchFamily="34" charset="0"/>
+                <a:ea typeface="微软雅黑" panose="020B0503020204020204" pitchFamily="34" charset="-122"/>
+              </a:defRPr>
+            </a:lvl9pPr>
+          </a:lstStyle>
+          <a:p>
+            <a:r>
+              <a:rPr lang="zh-CN" altLang="en-US" dirty="0" smtClean="0">
+                <a:solidFill>
+                  <a:srgbClr val="C00000"/>
+                </a:solidFill>
+                <a:latin typeface="+mj-ea"/>
+                <a:ea typeface="+mj-ea"/>
+              </a:rPr>
+              <a:t>内容提纲</a:t>
+            </a:r>
+            <a:endParaRPr lang="zh-CN" altLang="en-US" dirty="0">
+              <a:solidFill>
+                <a:srgbClr val="C00000"/>
+              </a:solidFill>
+              <a:latin typeface="+mj-ea"/>
+              <a:ea typeface="+mj-ea"/>
+            </a:endParaRPr>
+          </a:p>
+        </p:txBody>
+      </p:sp>
+      <p:sp>
+        <p:nvSpPr>
+          <p:cNvPr id="21507" name="AutoShape 6"/>
+          <p:cNvSpPr>
+            <a:spLocks noChangeArrowheads="1"/>
+          </p:cNvSpPr>
+          <p:nvPr/>
+        </p:nvSpPr>
+        <p:spPr bwMode="auto">
+          <a:xfrm>
+            <a:off x="2309813" y="1428750"/>
+            <a:ext cx="6532562" cy="3943350"/>
+          </a:xfrm>
+          <a:prstGeom prst="roundRect">
+            <a:avLst>
+              <a:gd name="adj" fmla="val 16667"/>
+            </a:avLst>
+          </a:prstGeom>
+          <a:noFill/>
+          <a:ln w="28575">
+            <a:solidFill>
+              <a:srgbClr val="C0C0C0"/>
+            </a:solidFill>
+            <a:prstDash val="sysDot"/>
+            <a:round/>
+          </a:ln>
+          <a:extLst>
+            <a:ext uri="{909E8E84-426E-40DD-AFC4-6F175D3DCCD1}">
+              <a14:hiddenFill xmlns:a14="http://schemas.microsoft.com/office/drawing/2010/main">
+                <a:solidFill>
+                  <a:srgbClr val="FFFFFF"/>
+                </a:solidFill>
+              </a14:hiddenFill>
+            </a:ext>
+          </a:extLst>
+        </p:spPr>
+        <p:txBody>
+          <a:bodyPr wrap="none" anchor="ctr"/>
+          <a:lstStyle>
+            <a:lvl1pPr marL="457200" indent="-457200">
+              <a:defRPr sz="3200">
+                <a:solidFill>
+                  <a:schemeClr val="tx1"/>
+                </a:solidFill>
+                <a:latin typeface="Arial" panose="020B0604020202020204" pitchFamily="34" charset="0"/>
+                <a:ea typeface="微软雅黑" panose="020B0503020204020204" pitchFamily="34" charset="-122"/>
+              </a:defRPr>
+            </a:lvl1pPr>
+            <a:lvl2pPr marL="742950" indent="-285750">
+              <a:defRPr sz="3200">
+                <a:solidFill>
+                  <a:schemeClr val="tx1"/>
+                </a:solidFill>
+                <a:latin typeface="Arial" panose="020B0604020202020204" pitchFamily="34" charset="0"/>
+                <a:ea typeface="微软雅黑" panose="020B0503020204020204" pitchFamily="34" charset="-122"/>
+              </a:defRPr>
+            </a:lvl2pPr>
+            <a:lvl3pPr marL="1143000" indent="-228600">
+              <a:defRPr sz="3200">
+                <a:solidFill>
+                  <a:schemeClr val="tx1"/>
+                </a:solidFill>
+                <a:latin typeface="Arial" panose="020B0604020202020204" pitchFamily="34" charset="0"/>
+                <a:ea typeface="微软雅黑" panose="020B0503020204020204" pitchFamily="34" charset="-122"/>
+              </a:defRPr>
+            </a:lvl3pPr>
+            <a:lvl4pPr marL="1600200" indent="-228600">
+              <a:defRPr sz="3200">
+                <a:solidFill>
+                  <a:schemeClr val="tx1"/>
+                </a:solidFill>
+                <a:latin typeface="Arial" panose="020B0604020202020204" pitchFamily="34" charset="0"/>
+                <a:ea typeface="微软雅黑" panose="020B0503020204020204" pitchFamily="34" charset="-122"/>
+              </a:defRPr>
+            </a:lvl4pPr>
+            <a:lvl5pPr marL="2057400" indent="-228600">
+              <a:defRPr sz="3200">
+                <a:solidFill>
+                  <a:schemeClr val="tx1"/>
+                </a:solidFill>
+                <a:latin typeface="Arial" panose="020B0604020202020204" pitchFamily="34" charset="0"/>
+                <a:ea typeface="微软雅黑" panose="020B0503020204020204" pitchFamily="34" charset="-122"/>
+              </a:defRPr>
+            </a:lvl5pPr>
+            <a:lvl6pPr marL="2514600" indent="-228600" eaLnBrk="0" fontAlgn="base" hangingPunct="0">
+              <a:spcBef>
+                <a:spcPct val="0"/>
+              </a:spcBef>
+              <a:spcAft>
+                <a:spcPct val="0"/>
+              </a:spcAft>
+              <a:defRPr sz="3200">
+                <a:solidFill>
+                  <a:schemeClr val="tx1"/>
+                </a:solidFill>
+                <a:latin typeface="Arial" panose="020B0604020202020204" pitchFamily="34" charset="0"/>
+                <a:ea typeface="微软雅黑" panose="020B0503020204020204" pitchFamily="34" charset="-122"/>
+              </a:defRPr>
+            </a:lvl6pPr>
+            <a:lvl7pPr marL="2971800" indent="-228600" eaLnBrk="0" fontAlgn="base" hangingPunct="0">
+              <a:spcBef>
+                <a:spcPct val="0"/>
+              </a:spcBef>
+              <a:spcAft>
+                <a:spcPct val="0"/>
+              </a:spcAft>
+              <a:defRPr sz="3200">
+                <a:solidFill>
+                  <a:schemeClr val="tx1"/>
+                </a:solidFill>
+                <a:latin typeface="Arial" panose="020B0604020202020204" pitchFamily="34" charset="0"/>
+                <a:ea typeface="微软雅黑" panose="020B0503020204020204" pitchFamily="34" charset="-122"/>
+              </a:defRPr>
+            </a:lvl7pPr>
+            <a:lvl8pPr marL="3429000" indent="-228600" eaLnBrk="0" fontAlgn="base" hangingPunct="0">
+              <a:spcBef>
+                <a:spcPct val="0"/>
+              </a:spcBef>
+              <a:spcAft>
+                <a:spcPct val="0"/>
+              </a:spcAft>
+              <a:defRPr sz="3200">
+                <a:solidFill>
+                  <a:schemeClr val="tx1"/>
+                </a:solidFill>
+                <a:latin typeface="Arial" panose="020B0604020202020204" pitchFamily="34" charset="0"/>
+                <a:ea typeface="微软雅黑" panose="020B0503020204020204" pitchFamily="34" charset="-122"/>
+              </a:defRPr>
+            </a:lvl8pPr>
+            <a:lvl9pPr marL="3886200" indent="-228600" eaLnBrk="0" fontAlgn="base" hangingPunct="0">
+              <a:spcBef>
+                <a:spcPct val="0"/>
+              </a:spcBef>
+              <a:spcAft>
+                <a:spcPct val="0"/>
+              </a:spcAft>
+              <a:defRPr sz="3200">
+                <a:solidFill>
+                  <a:schemeClr val="tx1"/>
+                </a:solidFill>
+                <a:latin typeface="Arial" panose="020B0604020202020204" pitchFamily="34" charset="0"/>
+                <a:ea typeface="微软雅黑" panose="020B0503020204020204" pitchFamily="34" charset="-122"/>
+              </a:defRPr>
+            </a:lvl9pPr>
+          </a:lstStyle>
+          <a:p>
+            <a:pPr>
+              <a:lnSpc>
+                <a:spcPct val="200000"/>
+              </a:lnSpc>
+              <a:buClr>
+                <a:srgbClr val="92D050"/>
+              </a:buClr>
+              <a:buFont typeface="Wingdings" panose="05000000000000000000" pitchFamily="2" charset="2"/>
+              <a:buChar char="Ø"/>
+            </a:pPr>
+            <a:r>
+              <a:rPr lang="en-US" altLang="zh-CN" sz="2800" b="1" dirty="0" smtClean="0">
+                <a:latin typeface="+mj-ea"/>
+                <a:ea typeface="+mj-ea"/>
+              </a:rPr>
+              <a:t>React </a:t>
+            </a:r>
+            <a:r>
+              <a:rPr lang="zh-CN" altLang="en-US" sz="2800" b="1" dirty="0" smtClean="0">
+                <a:latin typeface="+mj-ea"/>
+                <a:ea typeface="+mj-ea"/>
+              </a:rPr>
+              <a:t>简介</a:t>
+            </a:r>
+            <a:endParaRPr lang="en-US" altLang="zh-CN" sz="2800" b="1" dirty="0" smtClean="0">
+              <a:latin typeface="+mj-ea"/>
+              <a:ea typeface="+mj-ea"/>
+            </a:endParaRPr>
+          </a:p>
+          <a:p>
+            <a:pPr>
+              <a:lnSpc>
+                <a:spcPct val="200000"/>
+              </a:lnSpc>
+              <a:buClr>
+                <a:srgbClr val="92D050"/>
+              </a:buClr>
+              <a:buFont typeface="Wingdings" panose="05000000000000000000" pitchFamily="2" charset="2"/>
+              <a:buChar char="Ø"/>
+            </a:pPr>
+            <a:r>
+              <a:rPr lang="en-US" altLang="zh-CN" sz="2800" b="1" dirty="0" smtClean="0">
+                <a:solidFill>
+                  <a:srgbClr val="C00000"/>
+                </a:solidFill>
+                <a:latin typeface="+mj-ea"/>
+                <a:ea typeface="+mj-ea"/>
+              </a:rPr>
+              <a:t>React </a:t>
+            </a:r>
+            <a:r>
+              <a:rPr lang="zh-CN" altLang="en-US" sz="2800" b="1" dirty="0" smtClean="0">
+                <a:solidFill>
+                  <a:srgbClr val="C00000"/>
+                </a:solidFill>
+                <a:latin typeface="+mj-ea"/>
+                <a:ea typeface="+mj-ea"/>
+              </a:rPr>
+              <a:t>安装</a:t>
+            </a:r>
+            <a:endParaRPr lang="en-US" altLang="zh-CN" sz="2800" b="1" dirty="0" smtClean="0">
+              <a:solidFill>
+                <a:srgbClr val="C00000"/>
+              </a:solidFill>
+              <a:latin typeface="+mj-ea"/>
+              <a:ea typeface="+mj-ea"/>
+            </a:endParaRPr>
+          </a:p>
+        </p:txBody>
+      </p:sp>
+    </p:spTree>
+    <p:extLst>
+      <p:ext uri="{BB962C8B-B14F-4D97-AF65-F5344CB8AC3E}">
+        <p14:creationId xmlns:p14="http://schemas.microsoft.com/office/powerpoint/2010/main" val="2475847367"/>
+      </p:ext>
+    </p:extLst>
+  </p:cSld>
+  <p:clrMapOvr>
+    <a:masterClrMapping/>
+  </p:clrMapOvr>
+  <p:transition/>
+  <p:timing>
+    <p:tnLst>
+      <p:par>
+        <p:cTn id="1" dur="indefinite" restart="never" nodeType="tmRoot"/>
+      </p:par>
+    </p:tnLst>
+  </p:timing>
+</p:sld>
+</file>
+
+<file path=ppt/slides/slide8.xml><?xml version="1.0" encoding="utf-8"?>
+<p:sld xmlns:a="http://schemas.openxmlformats.org/drawingml/2006/main" xmlns:r="http://schemas.openxmlformats.org/officeDocument/2006/relationships" xmlns:p="http://schemas.openxmlformats.org/presentationml/2006/main">
+  <p:cSld>
+    <p:spTree>
+      <p:nvGrpSpPr>
+        <p:cNvPr id="1" name=""/>
+        <p:cNvGrpSpPr/>
+        <p:nvPr/>
+      </p:nvGrpSpPr>
+      <p:grpSpPr>
+        <a:xfrm>
+          <a:off x="0" y="0"/>
+          <a:ext cx="0" cy="0"/>
+          <a:chOff x="0" y="0"/>
+          <a:chExt cx="0" cy="0"/>
+        </a:xfrm>
+      </p:grpSpPr>
+      <p:sp>
+        <p:nvSpPr>
+          <p:cNvPr id="30722" name="内容占位符 3"/>
+          <p:cNvSpPr>
+            <a:spLocks noGrp="1"/>
+          </p:cNvSpPr>
+          <p:nvPr>
+            <p:ph sz="quarter" idx="10"/>
+          </p:nvPr>
+        </p:nvSpPr>
+        <p:spPr bwMode="auto">
+          <a:xfrm>
+            <a:off x="693526" y="907845"/>
+            <a:ext cx="8788025" cy="5042310"/>
+          </a:xfrm>
+          <a:solidFill>
+            <a:schemeClr val="bg1"/>
+          </a:solidFill>
+        </p:spPr>
+        <p:txBody>
+          <a:bodyPr vert="horz" wrap="square" lIns="91440" tIns="45720" rIns="91440" bIns="45720" numCol="1" anchor="t" anchorCtr="0" compatLnSpc="1"/>
+          <a:lstStyle/>
+          <a:p>
+            <a:pPr marL="360045"/>
+            <a:r>
+              <a:rPr lang="en-US" altLang="zh-CN" dirty="0"/>
+              <a:t> </a:t>
+            </a:r>
+            <a:r>
+              <a:rPr lang="zh-CN" altLang="en-US" dirty="0" smtClean="0"/>
+              <a:t>利用 </a:t>
+            </a:r>
+            <a:r>
+              <a:rPr lang="en-US" altLang="zh-CN" dirty="0" smtClean="0"/>
+              <a:t>React </a:t>
+            </a:r>
+            <a:r>
+              <a:rPr lang="zh-CN" altLang="en-US" dirty="0" smtClean="0"/>
+              <a:t>脚手架工具</a:t>
+            </a:r>
+            <a:endParaRPr lang="en-US" altLang="zh-CN" dirty="0" smtClean="0"/>
+          </a:p>
+          <a:p>
+            <a:pPr marL="591820" lvl="1"/>
+            <a:r>
+              <a:rPr lang="zh-CN" altLang="en-US" dirty="0" smtClean="0"/>
+              <a:t> </a:t>
+            </a:r>
+            <a:r>
+              <a:rPr lang="en-US" altLang="zh-CN" dirty="0" err="1" smtClean="0"/>
+              <a:t>npm</a:t>
+            </a:r>
+            <a:r>
+              <a:rPr lang="en-US" altLang="zh-CN" dirty="0" smtClean="0"/>
+              <a:t> </a:t>
+            </a:r>
+            <a:r>
+              <a:rPr lang="en-US" altLang="zh-CN" dirty="0"/>
+              <a:t>install -g </a:t>
+            </a:r>
+            <a:r>
+              <a:rPr lang="en-US" altLang="zh-CN" dirty="0" smtClean="0"/>
+              <a:t>create-react-app</a:t>
+            </a:r>
+          </a:p>
+          <a:p>
+            <a:pPr marL="591820" lvl="1"/>
+            <a:r>
+              <a:rPr lang="en-US" altLang="zh-CN" dirty="0"/>
+              <a:t> </a:t>
+            </a:r>
+            <a:r>
+              <a:rPr lang="en-US" altLang="zh-CN" dirty="0"/>
+              <a:t>create-react-app </a:t>
+            </a:r>
+            <a:r>
+              <a:rPr lang="en-US" altLang="zh-CN" dirty="0" smtClean="0"/>
+              <a:t>my-app</a:t>
+            </a:r>
+          </a:p>
+          <a:p>
+            <a:pPr marL="591820" lvl="1"/>
+            <a:r>
+              <a:rPr lang="en-US" altLang="zh-CN" dirty="0"/>
+              <a:t> </a:t>
+            </a:r>
+            <a:r>
+              <a:rPr lang="en-US" altLang="zh-CN" dirty="0"/>
+              <a:t>cd </a:t>
+            </a:r>
+            <a:r>
+              <a:rPr lang="en-US" altLang="zh-CN" dirty="0" smtClean="0"/>
+              <a:t>my-app</a:t>
+            </a:r>
+          </a:p>
+          <a:p>
+            <a:pPr marL="591820" lvl="1"/>
+            <a:r>
+              <a:rPr lang="en-US" altLang="zh-CN" dirty="0"/>
+              <a:t> </a:t>
+            </a:r>
+            <a:r>
+              <a:rPr lang="en-US" altLang="zh-CN" dirty="0" err="1"/>
+              <a:t>npm</a:t>
+            </a:r>
+            <a:r>
+              <a:rPr lang="en-US" altLang="zh-CN" dirty="0"/>
+              <a:t> start</a:t>
+            </a:r>
+            <a:endParaRPr lang="en-US" altLang="zh-CN" dirty="0" smtClean="0"/>
+          </a:p>
+          <a:p>
+            <a:pPr marL="360045" lvl="1" indent="0">
+              <a:buFont typeface="Arial" panose="020B0604020202020204" pitchFamily="34" charset="0"/>
+              <a:buNone/>
+              <a:defRPr/>
+            </a:pPr>
+            <a:r>
+              <a:rPr lang="en-US" altLang="zh-CN" sz="2400" dirty="0" smtClean="0"/>
+              <a:t>		</a:t>
+            </a:r>
+            <a:endParaRPr lang="zh-CN" altLang="en-US" dirty="0" smtClean="0">
+              <a:ea typeface="宋体" panose="02010600030101010101" pitchFamily="2" charset="-122"/>
+            </a:endParaRPr>
+          </a:p>
+        </p:txBody>
+      </p:sp>
+      <p:sp>
+        <p:nvSpPr>
+          <p:cNvPr id="25603" name="内容占位符 4"/>
+          <p:cNvSpPr>
+            <a:spLocks noGrp="1"/>
+          </p:cNvSpPr>
+          <p:nvPr>
+            <p:ph sz="quarter" idx="11"/>
+          </p:nvPr>
+        </p:nvSpPr>
+        <p:spPr bwMode="auto">
+          <a:xfrm>
+            <a:off x="909638" y="236538"/>
+            <a:ext cx="7575550" cy="490537"/>
+          </a:xfrm>
+          <a:extLst>
+            <a:ext uri="{909E8E84-426E-40DD-AFC4-6F175D3DCCD1}">
+              <a14:hiddenFill xmlns:a14="http://schemas.microsoft.com/office/drawing/2010/main">
+                <a:solidFill>
+                  <a:srgbClr val="FFFFFF"/>
+                </a:solidFill>
+              </a14:hiddenFill>
+            </a:ext>
+            <a:ext uri="{91240B29-F687-4F45-9708-019B960494DF}">
+              <a14:hiddenLine xmlns:a14="http://schemas.microsoft.com/office/drawing/2010/main" w="9525">
+                <a:solidFill>
+                  <a:srgbClr val="000000"/>
+                </a:solidFill>
+                <a:miter lim="800000"/>
+                <a:headEnd/>
+                <a:tailEnd/>
+              </a14:hiddenLine>
+            </a:ext>
+          </a:extLst>
+        </p:spPr>
+        <p:txBody>
+          <a:bodyPr vert="horz" wrap="square" lIns="91440" tIns="45720" rIns="91440" bIns="45720" numCol="1" anchor="t" anchorCtr="0" compatLnSpc="1"/>
+          <a:lstStyle/>
+          <a:p>
+            <a:pPr>
+              <a:defRPr/>
+            </a:pPr>
+            <a:r>
+              <a:rPr lang="en-US" altLang="zh-CN" dirty="0" smtClean="0">
+                <a:latin typeface="+mn-ea"/>
+                <a:ea typeface="+mn-ea"/>
+              </a:rPr>
+              <a:t>React </a:t>
+            </a:r>
+            <a:r>
+              <a:rPr lang="zh-CN" altLang="en-US" dirty="0">
+                <a:latin typeface="+mn-ea"/>
+                <a:ea typeface="+mn-ea"/>
+              </a:rPr>
+              <a:t>安装</a:t>
+            </a:r>
+            <a:endParaRPr lang="zh-CN" altLang="en-US" dirty="0" smtClean="0">
+              <a:latin typeface="+mn-ea"/>
+              <a:ea typeface="+mn-ea"/>
+            </a:endParaRPr>
+          </a:p>
+        </p:txBody>
+      </p:sp>
+    </p:spTree>
+    <p:extLst>
+      <p:ext uri="{BB962C8B-B14F-4D97-AF65-F5344CB8AC3E}">
+        <p14:creationId xmlns:p14="http://schemas.microsoft.com/office/powerpoint/2010/main" val="967982343"/>
+      </p:ext>
+    </p:extLst>
+  </p:cSld>
+  <p:clrMapOvr>
+    <a:masterClrMapping/>
+  </p:clrMapOvr>
+  <p:timing>
+    <p:tnLst>
+      <p:par>
+        <p:cTn id="1" dur="indefinite" restart="never" nodeType="tmRoot"/>
+      </p:par>
+    </p:tnLst>
+  </p:timing>
+</p:sld>
+</file>
+
+<file path=ppt/slides/slide9.xml><?xml version="1.0" encoding="utf-8"?>
 <p:sld xmlns:a="http://schemas.openxmlformats.org/drawingml/2006/main" xmlns:r="http://schemas.openxmlformats.org/officeDocument/2006/relationships" xmlns:p="http://schemas.openxmlformats.org/presentationml/2006/main">
   <p:cSld>
     <p:spTree>
@@ -3654,7 +5186,7 @@
   <a:extraClrSchemeLst/>
   <a:extLst>
     <a:ext uri="{05A4C25C-085E-4340-85A3-A5531E510DB2}">
-      <thm15:themeFamily xmlns="" xmlns:thm15="http://schemas.microsoft.com/office/thememl/2012/main" name="Office Theme" id="{62F939B6-93AF-4DB8-9C6B-D6C7DFDC589F}" vid="{4A3C46E8-61CC-4603-A589-7422A47A8E4A}"/>
+      <thm15:themeFamily xmlns:thm15="http://schemas.microsoft.com/office/thememl/2012/main" xmlns="" name="Office Theme" id="{62F939B6-93AF-4DB8-9C6B-D6C7DFDC589F}" vid="{4A3C46E8-61CC-4603-A589-7422A47A8E4A}"/>
     </a:ext>
   </a:extLst>
 </a:theme>
@@ -3942,7 +5474,7 @@
   <a:extraClrSchemeLst/>
   <a:extLst>
     <a:ext uri="{05A4C25C-085E-4340-85A3-A5531E510DB2}">
-      <thm15:themeFamily xmlns="" xmlns:thm15="http://schemas.microsoft.com/office/thememl/2012/main" name="Office Theme" id="{62F939B6-93AF-4DB8-9C6B-D6C7DFDC589F}" vid="{4A3C46E8-61CC-4603-A589-7422A47A8E4A}"/>
+      <thm15:themeFamily xmlns:thm15="http://schemas.microsoft.com/office/thememl/2012/main" xmlns="" name="Office Theme" id="{62F939B6-93AF-4DB8-9C6B-D6C7DFDC589F}" vid="{4A3C46E8-61CC-4603-A589-7422A47A8E4A}"/>
     </a:ext>
   </a:extLst>
 </a:theme>
